--- a/yangsui_ppt.pptx
+++ b/yangsui_ppt.pptx
@@ -1,14 +1,25 @@
 
 <file path=ppt/presentation.xml><?xml version="1.0" encoding="utf-8"?>
-<p:presentation xmlns:a="http://schemas.openxmlformats.org/drawingml/2006/main" xmlns:r="http://schemas.openxmlformats.org/officeDocument/2006/relationships" xmlns:p="http://schemas.openxmlformats.org/presentationml/2006/main" compatMode="1" saveSubsetFonts="1">
+<p:presentation xmlns:a="http://schemas.openxmlformats.org/drawingml/2006/main" xmlns:r="http://schemas.openxmlformats.org/officeDocument/2006/relationships" xmlns:p="http://schemas.openxmlformats.org/presentationml/2006/main" saveSubsetFonts="1">
   <p:sldMasterIdLst>
     <p:sldMasterId id="2147483648" r:id="rId1"/>
   </p:sldMasterIdLst>
   <p:sldIdLst>
     <p:sldId id="256" r:id="rId2"/>
-    <p:sldId id="258" r:id="rId3"/>
-    <p:sldId id="259" r:id="rId4"/>
-    <p:sldId id="260" r:id="rId5"/>
+    <p:sldId id="269" r:id="rId3"/>
+    <p:sldId id="270" r:id="rId4"/>
+    <p:sldId id="261" r:id="rId5"/>
+    <p:sldId id="262" r:id="rId6"/>
+    <p:sldId id="263" r:id="rId7"/>
+    <p:sldId id="264" r:id="rId8"/>
+    <p:sldId id="265" r:id="rId9"/>
+    <p:sldId id="266" r:id="rId10"/>
+    <p:sldId id="267" r:id="rId11"/>
+    <p:sldId id="268" r:id="rId12"/>
+    <p:sldId id="258" r:id="rId13"/>
+    <p:sldId id="259" r:id="rId14"/>
+    <p:sldId id="260" r:id="rId15"/>
+    <p:sldId id="271" r:id="rId16"/>
   </p:sldIdLst>
   <p:sldSz cx="9144000" cy="6858000" type="screen4x3"/>
   <p:notesSz cx="6858000" cy="9144000"/>
@@ -204,7 +215,7 @@
           </a:lstStyle>
           <a:p>
             <a:r>
-              <a:rPr lang="en-US" smtClean="0"/>
+              <a:rPr lang="en-US"/>
               <a:t>Click to edit Master subtitle style</a:t>
             </a:r>
             <a:endParaRPr lang="en-US" dirty="0"/>
@@ -240,7 +251,7 @@
           </a:lstStyle>
           <a:p>
             <a:r>
-              <a:rPr lang="en-US" smtClean="0"/>
+              <a:rPr lang="en-US"/>
               <a:t>Click to edit Master title style</a:t>
             </a:r>
             <a:endParaRPr lang="en-US" dirty="0"/>
@@ -256,7 +267,7 @@
           <p:nvPr userDrawn="1"/>
         </p:nvPicPr>
         <p:blipFill>
-          <a:blip r:embed="rId2">
+          <a:blip r:embed="rId2" cstate="email">
             <a:extLst>
               <a:ext uri="{28A0092B-C50C-407E-A947-70E740481C1C}">
                 <a14:useLocalDpi xmlns:a14="http://schemas.microsoft.com/office/drawing/2010/main" val="0"/>
@@ -323,10 +334,9 @@
           <a:lstStyle/>
           <a:p>
             <a:r>
-              <a:rPr lang="en-US" smtClean="0"/>
+              <a:rPr lang="en-US"/>
               <a:t>Click to edit Master title style</a:t>
             </a:r>
-            <a:endParaRPr lang="en-US"/>
           </a:p>
         </p:txBody>
       </p:sp>
@@ -347,38 +357,37 @@
           <a:p>
             <a:pPr lvl="0"/>
             <a:r>
-              <a:rPr lang="en-US" smtClean="0"/>
+              <a:rPr lang="en-US"/>
               <a:t>Click to edit Master text styles</a:t>
             </a:r>
           </a:p>
           <a:p>
             <a:pPr lvl="1"/>
             <a:r>
-              <a:rPr lang="en-US" smtClean="0"/>
+              <a:rPr lang="en-US"/>
               <a:t>Second level</a:t>
             </a:r>
           </a:p>
           <a:p>
             <a:pPr lvl="2"/>
             <a:r>
-              <a:rPr lang="en-US" smtClean="0"/>
+              <a:rPr lang="en-US"/>
               <a:t>Third level</a:t>
             </a:r>
           </a:p>
           <a:p>
             <a:pPr lvl="3"/>
             <a:r>
-              <a:rPr lang="en-US" smtClean="0"/>
+              <a:rPr lang="en-US"/>
               <a:t>Fourth level</a:t>
             </a:r>
           </a:p>
           <a:p>
             <a:pPr lvl="4"/>
             <a:r>
-              <a:rPr lang="en-US" smtClean="0"/>
+              <a:rPr lang="en-US"/>
               <a:t>Fifth level</a:t>
             </a:r>
-            <a:endParaRPr lang="en-US"/>
           </a:p>
         </p:txBody>
       </p:sp>
@@ -475,10 +484,9 @@
           <a:lstStyle/>
           <a:p>
             <a:r>
-              <a:rPr lang="en-US" smtClean="0"/>
+              <a:rPr lang="en-US"/>
               <a:t>Click to edit Master title style</a:t>
             </a:r>
-            <a:endParaRPr lang="en-US"/>
           </a:p>
         </p:txBody>
       </p:sp>
@@ -504,38 +512,37 @@
           <a:p>
             <a:pPr lvl="0"/>
             <a:r>
-              <a:rPr lang="en-US" smtClean="0"/>
+              <a:rPr lang="en-US"/>
               <a:t>Click to edit Master text styles</a:t>
             </a:r>
           </a:p>
           <a:p>
             <a:pPr lvl="1"/>
             <a:r>
-              <a:rPr lang="en-US" smtClean="0"/>
+              <a:rPr lang="en-US"/>
               <a:t>Second level</a:t>
             </a:r>
           </a:p>
           <a:p>
             <a:pPr lvl="2"/>
             <a:r>
-              <a:rPr lang="en-US" smtClean="0"/>
+              <a:rPr lang="en-US"/>
               <a:t>Third level</a:t>
             </a:r>
           </a:p>
           <a:p>
             <a:pPr lvl="3"/>
             <a:r>
-              <a:rPr lang="en-US" smtClean="0"/>
+              <a:rPr lang="en-US"/>
               <a:t>Fourth level</a:t>
             </a:r>
           </a:p>
           <a:p>
             <a:pPr lvl="4"/>
             <a:r>
-              <a:rPr lang="en-US" smtClean="0"/>
+              <a:rPr lang="en-US"/>
               <a:t>Fifth level</a:t>
             </a:r>
-            <a:endParaRPr lang="en-US"/>
           </a:p>
         </p:txBody>
       </p:sp>
@@ -627,10 +634,9 @@
           <a:lstStyle/>
           <a:p>
             <a:r>
-              <a:rPr lang="en-US" smtClean="0"/>
+              <a:rPr lang="en-US"/>
               <a:t>Click to edit Master title style</a:t>
             </a:r>
-            <a:endParaRPr lang="en-US"/>
           </a:p>
         </p:txBody>
       </p:sp>
@@ -651,38 +657,37 @@
           <a:p>
             <a:pPr lvl="0"/>
             <a:r>
-              <a:rPr lang="en-US" smtClean="0"/>
+              <a:rPr lang="en-US"/>
               <a:t>Click to edit Master text styles</a:t>
             </a:r>
           </a:p>
           <a:p>
             <a:pPr lvl="1"/>
             <a:r>
-              <a:rPr lang="en-US" smtClean="0"/>
+              <a:rPr lang="en-US"/>
               <a:t>Second level</a:t>
             </a:r>
           </a:p>
           <a:p>
             <a:pPr lvl="2"/>
             <a:r>
-              <a:rPr lang="en-US" smtClean="0"/>
+              <a:rPr lang="en-US"/>
               <a:t>Third level</a:t>
             </a:r>
           </a:p>
           <a:p>
             <a:pPr lvl="3"/>
             <a:r>
-              <a:rPr lang="en-US" smtClean="0"/>
+              <a:rPr lang="en-US"/>
               <a:t>Fourth level</a:t>
             </a:r>
           </a:p>
           <a:p>
             <a:pPr lvl="4"/>
             <a:r>
-              <a:rPr lang="en-US" smtClean="0"/>
+              <a:rPr lang="en-US"/>
               <a:t>Fifth level</a:t>
             </a:r>
-            <a:endParaRPr lang="en-US"/>
           </a:p>
         </p:txBody>
       </p:sp>
@@ -783,10 +788,9 @@
           </a:lstStyle>
           <a:p>
             <a:r>
-              <a:rPr lang="en-US" smtClean="0"/>
+              <a:rPr lang="en-US"/>
               <a:t>Click to edit Master title style</a:t>
             </a:r>
-            <a:endParaRPr lang="en-US"/>
           </a:p>
         </p:txBody>
       </p:sp>
@@ -849,7 +853,7 @@
           <a:p>
             <a:pPr lvl="0"/>
             <a:r>
-              <a:rPr lang="en-US" smtClean="0"/>
+              <a:rPr lang="en-US"/>
               <a:t>Click to edit Master text styles</a:t>
             </a:r>
           </a:p>
@@ -943,10 +947,9 @@
           <a:lstStyle/>
           <a:p>
             <a:r>
-              <a:rPr lang="en-US" smtClean="0"/>
+              <a:rPr lang="en-US"/>
               <a:t>Click to edit Master title style</a:t>
             </a:r>
-            <a:endParaRPr lang="en-US"/>
           </a:p>
         </p:txBody>
       </p:sp>
@@ -1000,38 +1003,37 @@
           <a:p>
             <a:pPr lvl="0"/>
             <a:r>
-              <a:rPr lang="en-US" smtClean="0"/>
+              <a:rPr lang="en-US"/>
               <a:t>Click to edit Master text styles</a:t>
             </a:r>
           </a:p>
           <a:p>
             <a:pPr lvl="1"/>
             <a:r>
-              <a:rPr lang="en-US" smtClean="0"/>
+              <a:rPr lang="en-US"/>
               <a:t>Second level</a:t>
             </a:r>
           </a:p>
           <a:p>
             <a:pPr lvl="2"/>
             <a:r>
-              <a:rPr lang="en-US" smtClean="0"/>
+              <a:rPr lang="en-US"/>
               <a:t>Third level</a:t>
             </a:r>
           </a:p>
           <a:p>
             <a:pPr lvl="3"/>
             <a:r>
-              <a:rPr lang="en-US" smtClean="0"/>
+              <a:rPr lang="en-US"/>
               <a:t>Fourth level</a:t>
             </a:r>
           </a:p>
           <a:p>
             <a:pPr lvl="4"/>
             <a:r>
-              <a:rPr lang="en-US" smtClean="0"/>
+              <a:rPr lang="en-US"/>
               <a:t>Fifth level</a:t>
             </a:r>
-            <a:endParaRPr lang="en-US"/>
           </a:p>
         </p:txBody>
       </p:sp>
@@ -1085,38 +1087,37 @@
           <a:p>
             <a:pPr lvl="0"/>
             <a:r>
-              <a:rPr lang="en-US" smtClean="0"/>
+              <a:rPr lang="en-US"/>
               <a:t>Click to edit Master text styles</a:t>
             </a:r>
           </a:p>
           <a:p>
             <a:pPr lvl="1"/>
             <a:r>
-              <a:rPr lang="en-US" smtClean="0"/>
+              <a:rPr lang="en-US"/>
               <a:t>Second level</a:t>
             </a:r>
           </a:p>
           <a:p>
             <a:pPr lvl="2"/>
             <a:r>
-              <a:rPr lang="en-US" smtClean="0"/>
+              <a:rPr lang="en-US"/>
               <a:t>Third level</a:t>
             </a:r>
           </a:p>
           <a:p>
             <a:pPr lvl="3"/>
             <a:r>
-              <a:rPr lang="en-US" smtClean="0"/>
+              <a:rPr lang="en-US"/>
               <a:t>Fourth level</a:t>
             </a:r>
           </a:p>
           <a:p>
             <a:pPr lvl="4"/>
             <a:r>
-              <a:rPr lang="en-US" smtClean="0"/>
+              <a:rPr lang="en-US"/>
               <a:t>Fifth level</a:t>
             </a:r>
-            <a:endParaRPr lang="en-US"/>
           </a:p>
         </p:txBody>
       </p:sp>
@@ -1217,10 +1218,9 @@
           </a:lstStyle>
           <a:p>
             <a:r>
-              <a:rPr lang="en-US" smtClean="0"/>
+              <a:rPr lang="en-US"/>
               <a:t>Click to edit Master title style</a:t>
             </a:r>
-            <a:endParaRPr lang="en-US"/>
           </a:p>
         </p:txBody>
       </p:sp>
@@ -1283,7 +1283,7 @@
           <a:p>
             <a:pPr lvl="0"/>
             <a:r>
-              <a:rPr lang="en-US" smtClean="0"/>
+              <a:rPr lang="en-US"/>
               <a:t>Click to edit Master text styles</a:t>
             </a:r>
           </a:p>
@@ -1339,38 +1339,37 @@
           <a:p>
             <a:pPr lvl="0"/>
             <a:r>
-              <a:rPr lang="en-US" smtClean="0"/>
+              <a:rPr lang="en-US"/>
               <a:t>Click to edit Master text styles</a:t>
             </a:r>
           </a:p>
           <a:p>
             <a:pPr lvl="1"/>
             <a:r>
-              <a:rPr lang="en-US" smtClean="0"/>
+              <a:rPr lang="en-US"/>
               <a:t>Second level</a:t>
             </a:r>
           </a:p>
           <a:p>
             <a:pPr lvl="2"/>
             <a:r>
-              <a:rPr lang="en-US" smtClean="0"/>
+              <a:rPr lang="en-US"/>
               <a:t>Third level</a:t>
             </a:r>
           </a:p>
           <a:p>
             <a:pPr lvl="3"/>
             <a:r>
-              <a:rPr lang="en-US" smtClean="0"/>
+              <a:rPr lang="en-US"/>
               <a:t>Fourth level</a:t>
             </a:r>
           </a:p>
           <a:p>
             <a:pPr lvl="4"/>
             <a:r>
-              <a:rPr lang="en-US" smtClean="0"/>
+              <a:rPr lang="en-US"/>
               <a:t>Fifth level</a:t>
             </a:r>
-            <a:endParaRPr lang="en-US"/>
           </a:p>
         </p:txBody>
       </p:sp>
@@ -1433,7 +1432,7 @@
           <a:p>
             <a:pPr lvl="0"/>
             <a:r>
-              <a:rPr lang="en-US" smtClean="0"/>
+              <a:rPr lang="en-US"/>
               <a:t>Click to edit Master text styles</a:t>
             </a:r>
           </a:p>
@@ -1489,38 +1488,37 @@
           <a:p>
             <a:pPr lvl="0"/>
             <a:r>
-              <a:rPr lang="en-US" smtClean="0"/>
+              <a:rPr lang="en-US"/>
               <a:t>Click to edit Master text styles</a:t>
             </a:r>
           </a:p>
           <a:p>
             <a:pPr lvl="1"/>
             <a:r>
-              <a:rPr lang="en-US" smtClean="0"/>
+              <a:rPr lang="en-US"/>
               <a:t>Second level</a:t>
             </a:r>
           </a:p>
           <a:p>
             <a:pPr lvl="2"/>
             <a:r>
-              <a:rPr lang="en-US" smtClean="0"/>
+              <a:rPr lang="en-US"/>
               <a:t>Third level</a:t>
             </a:r>
           </a:p>
           <a:p>
             <a:pPr lvl="3"/>
             <a:r>
-              <a:rPr lang="en-US" smtClean="0"/>
+              <a:rPr lang="en-US"/>
               <a:t>Fourth level</a:t>
             </a:r>
           </a:p>
           <a:p>
             <a:pPr lvl="4"/>
             <a:r>
-              <a:rPr lang="en-US" smtClean="0"/>
+              <a:rPr lang="en-US"/>
               <a:t>Fifth level</a:t>
             </a:r>
-            <a:endParaRPr lang="en-US"/>
           </a:p>
         </p:txBody>
       </p:sp>
@@ -1612,10 +1610,9 @@
           <a:lstStyle/>
           <a:p>
             <a:r>
-              <a:rPr lang="en-US" smtClean="0"/>
+              <a:rPr lang="en-US"/>
               <a:t>Click to edit Master title style</a:t>
             </a:r>
-            <a:endParaRPr lang="en-US"/>
           </a:p>
         </p:txBody>
       </p:sp>
@@ -1788,10 +1785,9 @@
           </a:lstStyle>
           <a:p>
             <a:r>
-              <a:rPr lang="en-US" smtClean="0"/>
+              <a:rPr lang="en-US"/>
               <a:t>Click to edit Master title style</a:t>
             </a:r>
-            <a:endParaRPr lang="en-US"/>
           </a:p>
         </p:txBody>
       </p:sp>
@@ -1845,38 +1841,37 @@
           <a:p>
             <a:pPr lvl="0"/>
             <a:r>
-              <a:rPr lang="en-US" smtClean="0"/>
+              <a:rPr lang="en-US"/>
               <a:t>Click to edit Master text styles</a:t>
             </a:r>
           </a:p>
           <a:p>
             <a:pPr lvl="1"/>
             <a:r>
-              <a:rPr lang="en-US" smtClean="0"/>
+              <a:rPr lang="en-US"/>
               <a:t>Second level</a:t>
             </a:r>
           </a:p>
           <a:p>
             <a:pPr lvl="2"/>
             <a:r>
-              <a:rPr lang="en-US" smtClean="0"/>
+              <a:rPr lang="en-US"/>
               <a:t>Third level</a:t>
             </a:r>
           </a:p>
           <a:p>
             <a:pPr lvl="3"/>
             <a:r>
-              <a:rPr lang="en-US" smtClean="0"/>
+              <a:rPr lang="en-US"/>
               <a:t>Fourth level</a:t>
             </a:r>
           </a:p>
           <a:p>
             <a:pPr lvl="4"/>
             <a:r>
-              <a:rPr lang="en-US" smtClean="0"/>
+              <a:rPr lang="en-US"/>
               <a:t>Fifth level</a:t>
             </a:r>
-            <a:endParaRPr lang="en-US"/>
           </a:p>
         </p:txBody>
       </p:sp>
@@ -1939,7 +1934,7 @@
           <a:p>
             <a:pPr lvl="0"/>
             <a:r>
-              <a:rPr lang="en-US" smtClean="0"/>
+              <a:rPr lang="en-US"/>
               <a:t>Click to edit Master text styles</a:t>
             </a:r>
           </a:p>
@@ -2042,10 +2037,9 @@
           </a:lstStyle>
           <a:p>
             <a:r>
-              <a:rPr lang="en-US" smtClean="0"/>
+              <a:rPr lang="en-US"/>
               <a:t>Click to edit Master title style</a:t>
             </a:r>
-            <a:endParaRPr lang="en-US"/>
           </a:p>
         </p:txBody>
       </p:sp>
@@ -2108,7 +2102,7 @@
           <a:p>
             <a:pPr lvl="0"/>
             <a:r>
-              <a:rPr lang="en-US" noProof="0" smtClean="0"/>
+              <a:rPr lang="en-US" noProof="0"/>
               <a:t>Drag picture to placeholder or click icon to add</a:t>
             </a:r>
           </a:p>
@@ -2173,7 +2167,7 @@
           <a:p>
             <a:pPr lvl="0"/>
             <a:r>
-              <a:rPr lang="en-US" smtClean="0"/>
+              <a:rPr lang="en-US"/>
               <a:t>Click to edit Master text styles</a:t>
             </a:r>
           </a:p>
@@ -2283,7 +2277,7 @@
           </a:ln>
           <a:extLst>
             <a:ext uri="{FAA26D3D-D897-4be2-8F04-BA451C77F1D7}">
-              <ma14:placeholderFlag xmlns:ma14="http://schemas.microsoft.com/office/mac/drawingml/2011/main" val="1"/>
+              <ma14:placeholderFlag xmlns="" xmlns:ma14="http://schemas.microsoft.com/office/mac/drawingml/2011/main" val="1"/>
             </a:ext>
             <a:ext uri="{909E8E84-426E-40dd-AFC4-6F175D3DCCD1}">
               <a14:hiddenFill xmlns:a14="http://schemas.microsoft.com/office/drawing/2010/main" xmlns="">
@@ -2314,10 +2308,9 @@
           <a:p>
             <a:pPr lvl="0"/>
             <a:r>
-              <a:rPr lang="en-US" smtClean="0"/>
+              <a:rPr lang="en-US"/>
               <a:t>Click to edit Master title style</a:t>
             </a:r>
-            <a:endParaRPr lang="en-US"/>
           </a:p>
         </p:txBody>
       </p:sp>
@@ -2345,7 +2338,7 @@
           </a:ln>
           <a:extLst>
             <a:ext uri="{FAA26D3D-D897-4be2-8F04-BA451C77F1D7}">
-              <ma14:placeholderFlag xmlns:ma14="http://schemas.microsoft.com/office/mac/drawingml/2011/main" val="1"/>
+              <ma14:placeholderFlag xmlns="" xmlns:ma14="http://schemas.microsoft.com/office/mac/drawingml/2011/main" val="1"/>
             </a:ext>
             <a:ext uri="{909E8E84-426E-40dd-AFC4-6F175D3DCCD1}">
               <a14:hiddenFill xmlns:a14="http://schemas.microsoft.com/office/drawing/2010/main" xmlns="">
@@ -2376,35 +2369,35 @@
           <a:p>
             <a:pPr lvl="0"/>
             <a:r>
-              <a:rPr lang="en-US" smtClean="0"/>
+              <a:rPr lang="en-US"/>
               <a:t>Click to edit Master text styles</a:t>
             </a:r>
           </a:p>
           <a:p>
             <a:pPr lvl="1"/>
             <a:r>
-              <a:rPr lang="en-US" smtClean="0"/>
+              <a:rPr lang="en-US"/>
               <a:t>Second level</a:t>
             </a:r>
           </a:p>
           <a:p>
             <a:pPr lvl="2"/>
             <a:r>
-              <a:rPr lang="en-US" smtClean="0"/>
+              <a:rPr lang="en-US"/>
               <a:t>Third level</a:t>
             </a:r>
           </a:p>
           <a:p>
             <a:pPr lvl="3"/>
             <a:r>
-              <a:rPr lang="en-US" smtClean="0"/>
+              <a:rPr lang="en-US"/>
               <a:t>Fourth level</a:t>
             </a:r>
           </a:p>
           <a:p>
             <a:pPr lvl="4"/>
             <a:r>
-              <a:rPr lang="en-US" smtClean="0"/>
+              <a:rPr lang="en-US"/>
               <a:t>Fifth level</a:t>
             </a:r>
             <a:endParaRPr lang="en-US" dirty="0"/>
@@ -2570,7 +2563,7 @@
               </a:spcBef>
               <a:defRPr/>
             </a:pPr>
-            <a:endParaRPr lang="en-US" sz="2000" smtClean="0">
+            <a:endParaRPr lang="en-US" sz="2000">
               <a:solidFill>
                 <a:schemeClr val="bg1"/>
               </a:solidFill>
@@ -2624,7 +2617,7 @@
           <p:nvPr/>
         </p:nvPicPr>
         <p:blipFill>
-          <a:blip r:embed="rId13">
+          <a:blip r:embed="rId13" cstate="email">
             <a:extLst>
               <a:ext uri="{28A0092B-C50C-407E-A947-70E740481C1C}">
                 <a14:useLocalDpi xmlns:a14="http://schemas.microsoft.com/office/drawing/2010/main" val="0"/>
@@ -3075,18 +3068,20 @@
         </p:nvSpPr>
         <p:spPr>
           <a:xfrm>
-            <a:off x="2992582" y="1454727"/>
-            <a:ext cx="2805545" cy="1120486"/>
+            <a:off x="1030941" y="1454726"/>
+            <a:ext cx="7279341" cy="2095298"/>
           </a:xfrm>
         </p:spPr>
         <p:txBody>
           <a:bodyPr/>
           <a:lstStyle/>
           <a:p>
-            <a:pPr eaLnBrk="1" hangingPunct="1"/>
-            <a:endParaRPr lang="en-US" dirty="0">
-              <a:latin typeface="Arial" charset="0"/>
-            </a:endParaRPr>
+            <a:r>
+              <a:rPr lang="en-US" sz="3600" dirty="0">
+                <a:latin typeface="Arial" charset="0"/>
+              </a:rPr>
+              <a:t>Self-playing Snake Game Based on Pathfinding algorithms</a:t>
+            </a:r>
           </a:p>
         </p:txBody>
       </p:sp>
@@ -3102,7 +3097,7 @@
         </p:nvSpPr>
         <p:spPr>
           <a:xfrm>
-            <a:off x="1440873" y="2819400"/>
+            <a:off x="1371600" y="4063049"/>
             <a:ext cx="6400800" cy="1752600"/>
           </a:xfrm>
         </p:spPr>
@@ -3111,9 +3106,24 @@
           <a:lstStyle/>
           <a:p>
             <a:pPr eaLnBrk="1" hangingPunct="1"/>
-            <a:endParaRPr lang="en-US" altLang="zh-CN" dirty="0" smtClean="0">
-              <a:latin typeface="Arial" charset="0"/>
-            </a:endParaRPr>
+            <a:r>
+              <a:rPr lang="en-US" altLang="zh-CN" dirty="0">
+                <a:latin typeface="Arial" charset="0"/>
+              </a:rPr>
+              <a:t>Yang Sui, </a:t>
+            </a:r>
+            <a:r>
+              <a:rPr lang="en-US" altLang="zh-CN" dirty="0" err="1">
+                <a:latin typeface="Arial" charset="0"/>
+              </a:rPr>
+              <a:t>Jin</a:t>
+            </a:r>
+            <a:r>
+              <a:rPr lang="en-US" altLang="zh-CN" dirty="0">
+                <a:latin typeface="Arial" charset="0"/>
+              </a:rPr>
+              <a:t> Xu, Runlin Hou</a:t>
+            </a:r>
           </a:p>
         </p:txBody>
       </p:sp>
@@ -3122,17 +3132,10 @@
   <p:clrMapOvr>
     <a:masterClrMapping/>
   </p:clrMapOvr>
-  <p:timing>
-    <p:tnLst>
-      <p:par>
-        <p:cTn id="1" dur="indefinite" restart="never" nodeType="tmRoot"/>
-      </p:par>
-    </p:tnLst>
-  </p:timing>
 </p:sld>
 </file>
 
-<file path=ppt/slides/slide2.xml><?xml version="1.0" encoding="utf-8"?>
+<file path=ppt/slides/slide10.xml><?xml version="1.0" encoding="utf-8"?>
 <p:sld xmlns:a="http://schemas.openxmlformats.org/drawingml/2006/main" xmlns:r="http://schemas.openxmlformats.org/officeDocument/2006/relationships" xmlns:p="http://schemas.openxmlformats.org/presentationml/2006/main">
   <p:cSld>
     <p:spTree>
@@ -3151,6 +3154,995 @@
       </p:grpSpPr>
       <p:sp>
         <p:nvSpPr>
+          <p:cNvPr id="2" name="标题 1">
+            <a:extLst>
+              <a:ext uri="{FF2B5EF4-FFF2-40B4-BE49-F238E27FC236}">
+                <a16:creationId xmlns:a16="http://schemas.microsoft.com/office/drawing/2014/main" id="{E39A6597-366C-4815-A2D0-21C29CB017C1}"/>
+              </a:ext>
+            </a:extLst>
+          </p:cNvPr>
+          <p:cNvSpPr>
+            <a:spLocks noGrp="1"/>
+          </p:cNvSpPr>
+          <p:nvPr>
+            <p:ph type="title"/>
+          </p:nvPr>
+        </p:nvSpPr>
+        <p:spPr/>
+        <p:txBody>
+          <a:bodyPr/>
+          <a:lstStyle/>
+          <a:p>
+            <a:r>
+              <a:rPr lang="en-US" altLang="zh-CN" dirty="0"/>
+              <a:t>A</a:t>
+            </a:r>
+            <a:r>
+              <a:rPr lang="zh-CN" altLang="en-US" dirty="0"/>
+              <a:t>* </a:t>
+            </a:r>
+            <a:r>
+              <a:rPr lang="en-US" altLang="zh-CN" dirty="0"/>
+              <a:t>Algorithm (</a:t>
+            </a:r>
+            <a:r>
+              <a:rPr lang="en-US" altLang="zh-CN" dirty="0" err="1"/>
+              <a:t>cont</a:t>
+            </a:r>
+            <a:r>
+              <a:rPr lang="en-US" altLang="zh-CN" dirty="0"/>
+              <a:t>)</a:t>
+            </a:r>
+            <a:endParaRPr lang="en-US" dirty="0"/>
+          </a:p>
+        </p:txBody>
+      </p:sp>
+      <p:sp>
+        <p:nvSpPr>
+          <p:cNvPr id="4" name="AutoShape 10">
+            <a:extLst>
+              <a:ext uri="{FF2B5EF4-FFF2-40B4-BE49-F238E27FC236}">
+                <a16:creationId xmlns:a16="http://schemas.microsoft.com/office/drawing/2014/main" id="{0C981599-478F-4696-B7CF-0AA8F0D6CDBB}"/>
+              </a:ext>
+            </a:extLst>
+          </p:cNvPr>
+          <p:cNvSpPr>
+            <a:spLocks noChangeAspect="1" noChangeArrowheads="1"/>
+          </p:cNvSpPr>
+          <p:nvPr/>
+        </p:nvSpPr>
+        <p:spPr bwMode="auto">
+          <a:xfrm>
+            <a:off x="5943600" y="3276600"/>
+            <a:ext cx="255552" cy="255552"/>
+          </a:xfrm>
+          <a:prstGeom prst="rect">
+            <a:avLst/>
+          </a:prstGeom>
+          <a:noFill/>
+          <a:extLst>
+            <a:ext uri="{909E8E84-426E-40DD-AFC4-6F175D3DCCD1}">
+              <a14:hiddenFill xmlns:a14="http://schemas.microsoft.com/office/drawing/2010/main">
+                <a:solidFill>
+                  <a:srgbClr val="FFFFFF"/>
+                </a:solidFill>
+              </a14:hiddenFill>
+            </a:ext>
+          </a:extLst>
+        </p:spPr>
+        <p:txBody>
+          <a:bodyPr vert="horz" wrap="square" lIns="91440" tIns="45720" rIns="91440" bIns="45720" numCol="1" anchor="t" anchorCtr="0" compatLnSpc="1">
+            <a:prstTxWarp prst="textNoShape">
+              <a:avLst/>
+            </a:prstTxWarp>
+          </a:bodyPr>
+          <a:lstStyle/>
+          <a:p>
+            <a:endParaRPr lang="zh-CN" altLang="en-US"/>
+          </a:p>
+        </p:txBody>
+      </p:sp>
+      <p:pic>
+        <p:nvPicPr>
+          <p:cNvPr id="5" name="Picture 2">
+            <a:extLst>
+              <a:ext uri="{FF2B5EF4-FFF2-40B4-BE49-F238E27FC236}">
+                <a16:creationId xmlns:a16="http://schemas.microsoft.com/office/drawing/2014/main" id="{0CFFCBC8-59A7-4948-9B42-BC192A0AD3DE}"/>
+              </a:ext>
+            </a:extLst>
+          </p:cNvPr>
+          <p:cNvPicPr>
+            <a:picLocks noChangeAspect="1" noChangeArrowheads="1"/>
+          </p:cNvPicPr>
+          <p:nvPr/>
+        </p:nvPicPr>
+        <p:blipFill>
+          <a:blip r:embed="rId2" cstate="email">
+            <a:extLst>
+              <a:ext uri="{28A0092B-C50C-407E-A947-70E740481C1C}">
+                <a14:useLocalDpi xmlns:a14="http://schemas.microsoft.com/office/drawing/2010/main" val="0"/>
+              </a:ext>
+            </a:extLst>
+          </a:blip>
+          <a:srcRect/>
+          <a:stretch>
+            <a:fillRect/>
+          </a:stretch>
+        </p:blipFill>
+        <p:spPr bwMode="auto">
+          <a:xfrm>
+            <a:off x="286681" y="3001888"/>
+            <a:ext cx="2474448" cy="2165424"/>
+          </a:xfrm>
+          <a:prstGeom prst="rect">
+            <a:avLst/>
+          </a:prstGeom>
+          <a:noFill/>
+          <a:extLst>
+            <a:ext uri="{909E8E84-426E-40DD-AFC4-6F175D3DCCD1}">
+              <a14:hiddenFill xmlns:a14="http://schemas.microsoft.com/office/drawing/2010/main">
+                <a:solidFill>
+                  <a:srgbClr val="FFFFFF"/>
+                </a:solidFill>
+              </a14:hiddenFill>
+            </a:ext>
+          </a:extLst>
+        </p:spPr>
+      </p:pic>
+      <p:pic>
+        <p:nvPicPr>
+          <p:cNvPr id="6" name="Picture 4">
+            <a:extLst>
+              <a:ext uri="{FF2B5EF4-FFF2-40B4-BE49-F238E27FC236}">
+                <a16:creationId xmlns:a16="http://schemas.microsoft.com/office/drawing/2014/main" id="{26AC1B54-A724-4550-9A66-0D871695767A}"/>
+              </a:ext>
+            </a:extLst>
+          </p:cNvPr>
+          <p:cNvPicPr>
+            <a:picLocks noChangeAspect="1" noChangeArrowheads="1"/>
+          </p:cNvPicPr>
+          <p:nvPr/>
+        </p:nvPicPr>
+        <p:blipFill>
+          <a:blip r:embed="rId3" cstate="email">
+            <a:extLst>
+              <a:ext uri="{28A0092B-C50C-407E-A947-70E740481C1C}">
+                <a14:useLocalDpi xmlns:a14="http://schemas.microsoft.com/office/drawing/2010/main" val="0"/>
+              </a:ext>
+            </a:extLst>
+          </a:blip>
+          <a:srcRect/>
+          <a:stretch>
+            <a:fillRect/>
+          </a:stretch>
+        </p:blipFill>
+        <p:spPr bwMode="auto">
+          <a:xfrm>
+            <a:off x="3169862" y="3001886"/>
+            <a:ext cx="2630304" cy="2165425"/>
+          </a:xfrm>
+          <a:prstGeom prst="rect">
+            <a:avLst/>
+          </a:prstGeom>
+          <a:noFill/>
+          <a:extLst>
+            <a:ext uri="{909E8E84-426E-40DD-AFC4-6F175D3DCCD1}">
+              <a14:hiddenFill xmlns:a14="http://schemas.microsoft.com/office/drawing/2010/main">
+                <a:solidFill>
+                  <a:srgbClr val="FFFFFF"/>
+                </a:solidFill>
+              </a14:hiddenFill>
+            </a:ext>
+          </a:extLst>
+        </p:spPr>
+      </p:pic>
+      <p:pic>
+        <p:nvPicPr>
+          <p:cNvPr id="7" name="Picture 6">
+            <a:extLst>
+              <a:ext uri="{FF2B5EF4-FFF2-40B4-BE49-F238E27FC236}">
+                <a16:creationId xmlns:a16="http://schemas.microsoft.com/office/drawing/2014/main" id="{63A5DA39-F3DC-43E2-9085-E4B2E63DAB06}"/>
+              </a:ext>
+            </a:extLst>
+          </p:cNvPr>
+          <p:cNvPicPr>
+            <a:picLocks noChangeAspect="1" noChangeArrowheads="1"/>
+          </p:cNvPicPr>
+          <p:nvPr/>
+        </p:nvPicPr>
+        <p:blipFill>
+          <a:blip r:embed="rId4" cstate="email">
+            <a:extLst>
+              <a:ext uri="{28A0092B-C50C-407E-A947-70E740481C1C}">
+                <a14:useLocalDpi xmlns:a14="http://schemas.microsoft.com/office/drawing/2010/main" val="0"/>
+              </a:ext>
+            </a:extLst>
+          </a:blip>
+          <a:srcRect/>
+          <a:stretch>
+            <a:fillRect/>
+          </a:stretch>
+        </p:blipFill>
+        <p:spPr bwMode="auto">
+          <a:xfrm>
+            <a:off x="6342586" y="3001885"/>
+            <a:ext cx="2514733" cy="2165425"/>
+          </a:xfrm>
+          <a:prstGeom prst="rect">
+            <a:avLst/>
+          </a:prstGeom>
+          <a:noFill/>
+          <a:extLst>
+            <a:ext uri="{909E8E84-426E-40DD-AFC4-6F175D3DCCD1}">
+              <a14:hiddenFill xmlns:a14="http://schemas.microsoft.com/office/drawing/2010/main">
+                <a:solidFill>
+                  <a:srgbClr val="FFFFFF"/>
+                </a:solidFill>
+              </a14:hiddenFill>
+            </a:ext>
+          </a:extLst>
+        </p:spPr>
+      </p:pic>
+      <p:sp>
+        <p:nvSpPr>
+          <p:cNvPr id="8" name="矩形 7">
+            <a:extLst>
+              <a:ext uri="{FF2B5EF4-FFF2-40B4-BE49-F238E27FC236}">
+                <a16:creationId xmlns:a16="http://schemas.microsoft.com/office/drawing/2014/main" id="{A09B79F8-B0B9-4982-9225-0B9651102D86}"/>
+              </a:ext>
+            </a:extLst>
+          </p:cNvPr>
+          <p:cNvSpPr/>
+          <p:nvPr/>
+        </p:nvSpPr>
+        <p:spPr>
+          <a:xfrm>
+            <a:off x="699245" y="2055874"/>
+            <a:ext cx="1757082" cy="307777"/>
+          </a:xfrm>
+          <a:prstGeom prst="rect">
+            <a:avLst/>
+          </a:prstGeom>
+        </p:spPr>
+        <p:txBody>
+          <a:bodyPr wrap="square">
+            <a:spAutoFit/>
+          </a:bodyPr>
+          <a:lstStyle/>
+          <a:p>
+            <a:r>
+              <a:rPr lang="en-US" altLang="zh-CN" sz="1400" dirty="0"/>
+              <a:t>Dijkstra’s Algorithm</a:t>
+            </a:r>
+          </a:p>
+        </p:txBody>
+      </p:sp>
+      <p:sp>
+        <p:nvSpPr>
+          <p:cNvPr id="9" name="矩形 8">
+            <a:extLst>
+              <a:ext uri="{FF2B5EF4-FFF2-40B4-BE49-F238E27FC236}">
+                <a16:creationId xmlns:a16="http://schemas.microsoft.com/office/drawing/2014/main" id="{786AA47F-92CB-43F3-B98A-07CB5BBF1DC1}"/>
+              </a:ext>
+            </a:extLst>
+          </p:cNvPr>
+          <p:cNvSpPr/>
+          <p:nvPr/>
+        </p:nvSpPr>
+        <p:spPr>
+          <a:xfrm>
+            <a:off x="3541060" y="1901986"/>
+            <a:ext cx="1631574" cy="461665"/>
+          </a:xfrm>
+          <a:prstGeom prst="rect">
+            <a:avLst/>
+          </a:prstGeom>
+        </p:spPr>
+        <p:txBody>
+          <a:bodyPr wrap="square">
+            <a:spAutoFit/>
+          </a:bodyPr>
+          <a:lstStyle/>
+          <a:p>
+            <a:r>
+              <a:rPr lang="en-US" altLang="zh-CN" sz="1400" dirty="0"/>
+              <a:t>Greedy</a:t>
+            </a:r>
+            <a:r>
+              <a:rPr lang="en-US" altLang="zh-CN" dirty="0"/>
+              <a:t> </a:t>
+            </a:r>
+            <a:r>
+              <a:rPr lang="en-US" altLang="zh-CN" sz="1400" dirty="0"/>
+              <a:t>Algorithm</a:t>
+            </a:r>
+          </a:p>
+        </p:txBody>
+      </p:sp>
+      <p:sp>
+        <p:nvSpPr>
+          <p:cNvPr id="10" name="矩形 9">
+            <a:extLst>
+              <a:ext uri="{FF2B5EF4-FFF2-40B4-BE49-F238E27FC236}">
+                <a16:creationId xmlns:a16="http://schemas.microsoft.com/office/drawing/2014/main" id="{B1AB7B6F-94B0-415A-ADC5-D4873B89922A}"/>
+              </a:ext>
+            </a:extLst>
+          </p:cNvPr>
+          <p:cNvSpPr/>
+          <p:nvPr/>
+        </p:nvSpPr>
+        <p:spPr>
+          <a:xfrm>
+            <a:off x="6963282" y="1901986"/>
+            <a:ext cx="1273340" cy="461665"/>
+          </a:xfrm>
+          <a:prstGeom prst="rect">
+            <a:avLst/>
+          </a:prstGeom>
+        </p:spPr>
+        <p:txBody>
+          <a:bodyPr wrap="square">
+            <a:spAutoFit/>
+          </a:bodyPr>
+          <a:lstStyle/>
+          <a:p>
+            <a:r>
+              <a:rPr lang="en-US" altLang="zh-CN" sz="1400" dirty="0"/>
+              <a:t>A*</a:t>
+            </a:r>
+            <a:r>
+              <a:rPr lang="en-US" altLang="zh-CN" dirty="0"/>
+              <a:t> </a:t>
+            </a:r>
+            <a:r>
+              <a:rPr lang="en-US" altLang="zh-CN" sz="1400" dirty="0"/>
+              <a:t>Algorithm</a:t>
+            </a:r>
+          </a:p>
+        </p:txBody>
+      </p:sp>
+    </p:spTree>
+    <p:extLst>
+      <p:ext uri="{BB962C8B-B14F-4D97-AF65-F5344CB8AC3E}">
+        <p14:creationId xmlns:p14="http://schemas.microsoft.com/office/powerpoint/2010/main" val="3363574428"/>
+      </p:ext>
+    </p:extLst>
+  </p:cSld>
+  <p:clrMapOvr>
+    <a:masterClrMapping/>
+  </p:clrMapOvr>
+</p:sld>
+</file>
+
+<file path=ppt/slides/slide11.xml><?xml version="1.0" encoding="utf-8"?>
+<p:sld xmlns:a="http://schemas.openxmlformats.org/drawingml/2006/main" xmlns:r="http://schemas.openxmlformats.org/officeDocument/2006/relationships" xmlns:p="http://schemas.openxmlformats.org/presentationml/2006/main">
+  <p:cSld>
+    <p:spTree>
+      <p:nvGrpSpPr>
+        <p:cNvPr id="1" name=""/>
+        <p:cNvGrpSpPr/>
+        <p:nvPr/>
+      </p:nvGrpSpPr>
+      <p:grpSpPr>
+        <a:xfrm>
+          <a:off x="0" y="0"/>
+          <a:ext cx="0" cy="0"/>
+          <a:chOff x="0" y="0"/>
+          <a:chExt cx="0" cy="0"/>
+        </a:xfrm>
+      </p:grpSpPr>
+      <p:sp>
+        <p:nvSpPr>
+          <p:cNvPr id="2" name="标题 1">
+            <a:extLst>
+              <a:ext uri="{FF2B5EF4-FFF2-40B4-BE49-F238E27FC236}">
+                <a16:creationId xmlns:a16="http://schemas.microsoft.com/office/drawing/2014/main" id="{8044411E-2D06-471F-A99C-FBC417299EAC}"/>
+              </a:ext>
+            </a:extLst>
+          </p:cNvPr>
+          <p:cNvSpPr>
+            <a:spLocks noGrp="1"/>
+          </p:cNvSpPr>
+          <p:nvPr>
+            <p:ph type="title"/>
+          </p:nvPr>
+        </p:nvSpPr>
+        <p:spPr/>
+        <p:txBody>
+          <a:bodyPr/>
+          <a:lstStyle/>
+          <a:p>
+            <a:r>
+              <a:rPr lang="en-US" altLang="zh-CN" dirty="0"/>
+              <a:t>A</a:t>
+            </a:r>
+            <a:r>
+              <a:rPr lang="zh-CN" altLang="en-US" dirty="0"/>
+              <a:t>* </a:t>
+            </a:r>
+            <a:r>
+              <a:rPr lang="en-US" altLang="zh-CN" dirty="0"/>
+              <a:t>Algorithm (</a:t>
+            </a:r>
+            <a:r>
+              <a:rPr lang="en-US" altLang="zh-CN" dirty="0" err="1"/>
+              <a:t>cont</a:t>
+            </a:r>
+            <a:r>
+              <a:rPr lang="en-US" altLang="zh-CN" dirty="0"/>
+              <a:t>)</a:t>
+            </a:r>
+            <a:endParaRPr lang="en-US" dirty="0"/>
+          </a:p>
+        </p:txBody>
+      </p:sp>
+      <p:sp>
+        <p:nvSpPr>
+          <p:cNvPr id="3" name="内容占位符 2">
+            <a:extLst>
+              <a:ext uri="{FF2B5EF4-FFF2-40B4-BE49-F238E27FC236}">
+                <a16:creationId xmlns:a16="http://schemas.microsoft.com/office/drawing/2014/main" id="{2CC03E17-D0E4-4D69-A81F-5B3A1ECDFEE2}"/>
+              </a:ext>
+            </a:extLst>
+          </p:cNvPr>
+          <p:cNvSpPr>
+            <a:spLocks noGrp="1"/>
+          </p:cNvSpPr>
+          <p:nvPr>
+            <p:ph idx="1"/>
+          </p:nvPr>
+        </p:nvSpPr>
+        <p:spPr>
+          <a:xfrm>
+            <a:off x="457200" y="1524000"/>
+            <a:ext cx="8229600" cy="645459"/>
+          </a:xfrm>
+        </p:spPr>
+        <p:txBody>
+          <a:bodyPr/>
+          <a:lstStyle/>
+          <a:p>
+            <a:r>
+              <a:rPr lang="en-US" altLang="zh-CN" dirty="0"/>
+              <a:t>Also use a priority queue, but not just adding weights</a:t>
+            </a:r>
+            <a:endParaRPr lang="zh-CN" altLang="en-US" dirty="0"/>
+          </a:p>
+          <a:p>
+            <a:endParaRPr lang="en-US" dirty="0"/>
+          </a:p>
+        </p:txBody>
+      </p:sp>
+      <mc:AlternateContent xmlns:mc="http://schemas.openxmlformats.org/markup-compatibility/2006" xmlns:a14="http://schemas.microsoft.com/office/drawing/2010/main">
+        <mc:Choice Requires="a14">
+          <p:sp>
+            <p:nvSpPr>
+              <p:cNvPr id="6" name="矩形 5">
+                <a:extLst>
+                  <a:ext uri="{FF2B5EF4-FFF2-40B4-BE49-F238E27FC236}">
+                    <a16:creationId xmlns:a16="http://schemas.microsoft.com/office/drawing/2014/main" id="{A471B998-1AD4-4517-B4FD-2587D9DECFED}"/>
+                  </a:ext>
+                </a:extLst>
+              </p:cNvPr>
+              <p:cNvSpPr/>
+              <p:nvPr/>
+            </p:nvSpPr>
+            <p:spPr>
+              <a:xfrm>
+                <a:off x="457200" y="2844901"/>
+                <a:ext cx="4595081" cy="400110"/>
+              </a:xfrm>
+              <a:prstGeom prst="rect">
+                <a:avLst/>
+              </a:prstGeom>
+            </p:spPr>
+            <p:txBody>
+              <a:bodyPr wrap="square">
+                <a:spAutoFit/>
+              </a:bodyPr>
+              <a:lstStyle/>
+              <a:p>
+                <a:pPr/>
+                <a14:m>
+                  <m:oMathPara xmlns:m="http://schemas.openxmlformats.org/officeDocument/2006/math">
+                    <m:oMathParaPr>
+                      <m:jc m:val="centerGroup"/>
+                    </m:oMathParaPr>
+                    <m:oMath xmlns:m="http://schemas.openxmlformats.org/officeDocument/2006/math">
+                      <m:r>
+                        <a:rPr lang="pt-BR" altLang="zh-CN" sz="2000" b="0" i="1" dirty="0" smtClean="0">
+                          <a:solidFill>
+                            <a:schemeClr val="tx1"/>
+                          </a:solidFill>
+                          <a:effectLst/>
+                          <a:latin typeface="Cambria Math" panose="02040503050406030204" pitchFamily="18" charset="0"/>
+                        </a:rPr>
+                        <m:t>𝑓</m:t>
+                      </m:r>
+                      <m:r>
+                        <a:rPr lang="pt-BR" altLang="zh-CN" sz="2000" b="0" i="1" dirty="0" smtClean="0">
+                          <a:solidFill>
+                            <a:schemeClr val="tx1"/>
+                          </a:solidFill>
+                          <a:effectLst/>
+                          <a:latin typeface="Cambria Math" panose="02040503050406030204" pitchFamily="18" charset="0"/>
+                        </a:rPr>
+                        <m:t>(</m:t>
+                      </m:r>
+                      <m:r>
+                        <a:rPr lang="pt-BR" altLang="zh-CN" sz="2000" b="0" i="1" dirty="0" smtClean="0">
+                          <a:solidFill>
+                            <a:schemeClr val="tx1"/>
+                          </a:solidFill>
+                          <a:effectLst/>
+                          <a:latin typeface="Cambria Math" panose="02040503050406030204" pitchFamily="18" charset="0"/>
+                        </a:rPr>
+                        <m:t>𝑛</m:t>
+                      </m:r>
+                      <m:r>
+                        <a:rPr lang="pt-BR" altLang="zh-CN" sz="2000" b="0" i="1" dirty="0" smtClean="0">
+                          <a:solidFill>
+                            <a:schemeClr val="tx1"/>
+                          </a:solidFill>
+                          <a:effectLst/>
+                          <a:latin typeface="Cambria Math" panose="02040503050406030204" pitchFamily="18" charset="0"/>
+                        </a:rPr>
+                        <m:t>) = </m:t>
+                      </m:r>
+                      <m:r>
+                        <a:rPr lang="pt-BR" altLang="zh-CN" sz="2000" b="0" i="1" dirty="0" smtClean="0">
+                          <a:solidFill>
+                            <a:schemeClr val="tx1"/>
+                          </a:solidFill>
+                          <a:effectLst/>
+                          <a:latin typeface="Cambria Math" panose="02040503050406030204" pitchFamily="18" charset="0"/>
+                        </a:rPr>
+                        <m:t>𝑔</m:t>
+                      </m:r>
+                      <m:r>
+                        <a:rPr lang="pt-BR" altLang="zh-CN" sz="2000" b="0" i="1" dirty="0" smtClean="0">
+                          <a:solidFill>
+                            <a:schemeClr val="tx1"/>
+                          </a:solidFill>
+                          <a:effectLst/>
+                          <a:latin typeface="Cambria Math" panose="02040503050406030204" pitchFamily="18" charset="0"/>
+                        </a:rPr>
+                        <m:t>(</m:t>
+                      </m:r>
+                      <m:r>
+                        <a:rPr lang="pt-BR" altLang="zh-CN" sz="2000" b="0" i="1" dirty="0" smtClean="0">
+                          <a:solidFill>
+                            <a:schemeClr val="tx1"/>
+                          </a:solidFill>
+                          <a:effectLst/>
+                          <a:latin typeface="Cambria Math" panose="02040503050406030204" pitchFamily="18" charset="0"/>
+                        </a:rPr>
+                        <m:t>𝑛</m:t>
+                      </m:r>
+                      <m:r>
+                        <a:rPr lang="pt-BR" altLang="zh-CN" sz="2000" b="0" i="1" dirty="0" smtClean="0">
+                          <a:solidFill>
+                            <a:schemeClr val="tx1"/>
+                          </a:solidFill>
+                          <a:effectLst/>
+                          <a:latin typeface="Cambria Math" panose="02040503050406030204" pitchFamily="18" charset="0"/>
+                        </a:rPr>
+                        <m:t>) + </m:t>
+                      </m:r>
+                      <m:r>
+                        <a:rPr lang="pt-BR" altLang="zh-CN" sz="2000" b="0" i="1" dirty="0" smtClean="0">
+                          <a:solidFill>
+                            <a:schemeClr val="tx1"/>
+                          </a:solidFill>
+                          <a:effectLst/>
+                          <a:latin typeface="Cambria Math" panose="02040503050406030204" pitchFamily="18" charset="0"/>
+                        </a:rPr>
+                        <m:t>h</m:t>
+                      </m:r>
+                      <m:r>
+                        <a:rPr lang="pt-BR" altLang="zh-CN" sz="2000" b="0" i="1" dirty="0" smtClean="0">
+                          <a:solidFill>
+                            <a:schemeClr val="tx1"/>
+                          </a:solidFill>
+                          <a:effectLst/>
+                          <a:latin typeface="Cambria Math" panose="02040503050406030204" pitchFamily="18" charset="0"/>
+                        </a:rPr>
+                        <m:t>(</m:t>
+                      </m:r>
+                      <m:r>
+                        <a:rPr lang="pt-BR" altLang="zh-CN" sz="2000" b="0" i="1" dirty="0" smtClean="0">
+                          <a:solidFill>
+                            <a:schemeClr val="tx1"/>
+                          </a:solidFill>
+                          <a:effectLst/>
+                          <a:latin typeface="Cambria Math" panose="02040503050406030204" pitchFamily="18" charset="0"/>
+                        </a:rPr>
+                        <m:t>𝑛</m:t>
+                      </m:r>
+                      <m:r>
+                        <a:rPr lang="en-US" altLang="zh-CN" sz="2000" b="0" i="1" dirty="0" smtClean="0">
+                          <a:solidFill>
+                            <a:schemeClr val="tx1"/>
+                          </a:solidFill>
+                          <a:effectLst/>
+                          <a:latin typeface="Cambria Math" panose="02040503050406030204" pitchFamily="18" charset="0"/>
+                        </a:rPr>
+                        <m:t>;</m:t>
+                      </m:r>
+                      <m:r>
+                        <a:rPr lang="en-US" altLang="zh-CN" sz="2000" b="0" i="1" dirty="0" smtClean="0">
+                          <a:solidFill>
+                            <a:schemeClr val="tx1"/>
+                          </a:solidFill>
+                          <a:effectLst/>
+                          <a:latin typeface="Cambria Math" panose="02040503050406030204" pitchFamily="18" charset="0"/>
+                        </a:rPr>
+                        <m:t>𝑑</m:t>
+                      </m:r>
+                      <m:r>
+                        <a:rPr lang="pt-BR" altLang="zh-CN" sz="2000" b="0" i="1" dirty="0" smtClean="0">
+                          <a:solidFill>
+                            <a:schemeClr val="tx1"/>
+                          </a:solidFill>
+                          <a:effectLst/>
+                          <a:latin typeface="Cambria Math" panose="02040503050406030204" pitchFamily="18" charset="0"/>
+                        </a:rPr>
+                        <m:t>)</m:t>
+                      </m:r>
+                    </m:oMath>
+                  </m:oMathPara>
+                </a14:m>
+                <a:endParaRPr lang="zh-CN" altLang="en-US" sz="2000" dirty="0">
+                  <a:solidFill>
+                    <a:schemeClr val="tx1"/>
+                  </a:solidFill>
+                </a:endParaRPr>
+              </a:p>
+            </p:txBody>
+          </p:sp>
+        </mc:Choice>
+        <mc:Fallback xmlns="">
+          <p:sp>
+            <p:nvSpPr>
+              <p:cNvPr id="6" name="矩形 5">
+                <a:extLst>
+                  <a:ext uri="{FF2B5EF4-FFF2-40B4-BE49-F238E27FC236}">
+                    <a16:creationId xmlns:a16="http://schemas.microsoft.com/office/drawing/2014/main" id="{A471B998-1AD4-4517-B4FD-2587D9DECFED}"/>
+                  </a:ext>
+                </a:extLst>
+              </p:cNvPr>
+              <p:cNvSpPr>
+                <a:spLocks noRot="1" noChangeAspect="1" noMove="1" noResize="1" noEditPoints="1" noAdjustHandles="1" noChangeArrowheads="1" noChangeShapeType="1" noTextEdit="1"/>
+              </p:cNvSpPr>
+              <p:nvPr/>
+            </p:nvSpPr>
+            <p:spPr>
+              <a:xfrm>
+                <a:off x="457200" y="2844901"/>
+                <a:ext cx="4595081" cy="400110"/>
+              </a:xfrm>
+              <a:prstGeom prst="rect">
+                <a:avLst/>
+              </a:prstGeom>
+              <a:blipFill>
+                <a:blip r:embed="rId2"/>
+                <a:stretch>
+                  <a:fillRect b="-18462"/>
+                </a:stretch>
+              </a:blipFill>
+            </p:spPr>
+            <p:txBody>
+              <a:bodyPr/>
+              <a:lstStyle/>
+              <a:p>
+                <a:r>
+                  <a:rPr lang="en-US">
+                    <a:noFill/>
+                  </a:rPr>
+                  <a:t> </a:t>
+                </a:r>
+              </a:p>
+            </p:txBody>
+          </p:sp>
+        </mc:Fallback>
+      </mc:AlternateContent>
+      <p:sp>
+        <p:nvSpPr>
+          <p:cNvPr id="7" name="文本框 6">
+            <a:extLst>
+              <a:ext uri="{FF2B5EF4-FFF2-40B4-BE49-F238E27FC236}">
+                <a16:creationId xmlns:a16="http://schemas.microsoft.com/office/drawing/2014/main" id="{6733DF41-0DE1-408A-BAB9-ED58A832505A}"/>
+              </a:ext>
+            </a:extLst>
+          </p:cNvPr>
+          <p:cNvSpPr txBox="1"/>
+          <p:nvPr/>
+        </p:nvSpPr>
+        <p:spPr>
+          <a:xfrm>
+            <a:off x="717524" y="3797650"/>
+            <a:ext cx="1730434" cy="738664"/>
+          </a:xfrm>
+          <a:prstGeom prst="rect">
+            <a:avLst/>
+          </a:prstGeom>
+          <a:noFill/>
+        </p:spPr>
+        <p:txBody>
+          <a:bodyPr wrap="square" rtlCol="0">
+            <a:spAutoFit/>
+          </a:bodyPr>
+          <a:lstStyle/>
+          <a:p>
+            <a:pPr marL="285750" indent="-285750">
+              <a:buFont typeface="Arial" panose="020B0604020202020204" pitchFamily="34" charset="0"/>
+              <a:buChar char="•"/>
+            </a:pPr>
+            <a:r>
+              <a:rPr lang="en-US" altLang="zh-CN" sz="1400" dirty="0"/>
+              <a:t>The cost from starting point to vertex n</a:t>
+            </a:r>
+            <a:endParaRPr lang="zh-CN" altLang="en-US" sz="1400" dirty="0"/>
+          </a:p>
+        </p:txBody>
+      </p:sp>
+      <p:sp>
+        <p:nvSpPr>
+          <p:cNvPr id="8" name="文本框 7">
+            <a:extLst>
+              <a:ext uri="{FF2B5EF4-FFF2-40B4-BE49-F238E27FC236}">
+                <a16:creationId xmlns:a16="http://schemas.microsoft.com/office/drawing/2014/main" id="{E399C08F-5F2A-4D4C-8827-1A643A65E017}"/>
+              </a:ext>
+            </a:extLst>
+          </p:cNvPr>
+          <p:cNvSpPr txBox="1"/>
+          <p:nvPr/>
+        </p:nvSpPr>
+        <p:spPr>
+          <a:xfrm>
+            <a:off x="3820676" y="3785809"/>
+            <a:ext cx="2060172" cy="738664"/>
+          </a:xfrm>
+          <a:prstGeom prst="rect">
+            <a:avLst/>
+          </a:prstGeom>
+          <a:noFill/>
+        </p:spPr>
+        <p:txBody>
+          <a:bodyPr wrap="square" rtlCol="0">
+            <a:spAutoFit/>
+          </a:bodyPr>
+          <a:lstStyle/>
+          <a:p>
+            <a:pPr marL="285750" indent="-285750">
+              <a:buFont typeface="Arial" panose="020B0604020202020204" pitchFamily="34" charset="0"/>
+              <a:buChar char="•"/>
+            </a:pPr>
+            <a:r>
+              <a:rPr lang="en-US" altLang="zh-CN" sz="1400" dirty="0"/>
+              <a:t>Heuristic estimate the cost from n to destination d </a:t>
+            </a:r>
+            <a:endParaRPr lang="zh-CN" altLang="en-US" sz="1400" dirty="0"/>
+          </a:p>
+        </p:txBody>
+      </p:sp>
+      <p:cxnSp>
+        <p:nvCxnSpPr>
+          <p:cNvPr id="9" name="直接箭头连接符 8">
+            <a:extLst>
+              <a:ext uri="{FF2B5EF4-FFF2-40B4-BE49-F238E27FC236}">
+                <a16:creationId xmlns:a16="http://schemas.microsoft.com/office/drawing/2014/main" id="{BC8C2014-F0E0-4F0C-AFC7-3F017CFBE0DC}"/>
+              </a:ext>
+            </a:extLst>
+          </p:cNvPr>
+          <p:cNvCxnSpPr>
+            <a:cxnSpLocks/>
+            <a:stCxn id="7" idx="0"/>
+          </p:cNvCxnSpPr>
+          <p:nvPr/>
+        </p:nvCxnSpPr>
+        <p:spPr>
+          <a:xfrm flipV="1">
+            <a:off x="1582741" y="3282437"/>
+            <a:ext cx="995479" cy="515213"/>
+          </a:xfrm>
+          <a:prstGeom prst="straightConnector1">
+            <a:avLst/>
+          </a:prstGeom>
+          <a:ln>
+            <a:solidFill>
+              <a:schemeClr val="tx1"/>
+            </a:solidFill>
+            <a:tailEnd type="triangle"/>
+          </a:ln>
+        </p:spPr>
+        <p:style>
+          <a:lnRef idx="1">
+            <a:schemeClr val="accent1"/>
+          </a:lnRef>
+          <a:fillRef idx="0">
+            <a:schemeClr val="accent1"/>
+          </a:fillRef>
+          <a:effectRef idx="0">
+            <a:schemeClr val="accent1"/>
+          </a:effectRef>
+          <a:fontRef idx="minor">
+            <a:schemeClr val="tx1"/>
+          </a:fontRef>
+        </p:style>
+      </p:cxnSp>
+      <p:cxnSp>
+        <p:nvCxnSpPr>
+          <p:cNvPr id="10" name="直接箭头连接符 9">
+            <a:extLst>
+              <a:ext uri="{FF2B5EF4-FFF2-40B4-BE49-F238E27FC236}">
+                <a16:creationId xmlns:a16="http://schemas.microsoft.com/office/drawing/2014/main" id="{94A64BDF-E9C5-419B-B3E6-4D523E34AE0F}"/>
+              </a:ext>
+            </a:extLst>
+          </p:cNvPr>
+          <p:cNvCxnSpPr>
+            <a:cxnSpLocks/>
+            <a:stCxn id="8" idx="0"/>
+          </p:cNvCxnSpPr>
+          <p:nvPr/>
+        </p:nvCxnSpPr>
+        <p:spPr>
+          <a:xfrm flipH="1" flipV="1">
+            <a:off x="3729318" y="3282437"/>
+            <a:ext cx="1121444" cy="503372"/>
+          </a:xfrm>
+          <a:prstGeom prst="straightConnector1">
+            <a:avLst/>
+          </a:prstGeom>
+          <a:ln>
+            <a:solidFill>
+              <a:schemeClr val="tx1"/>
+            </a:solidFill>
+            <a:tailEnd type="triangle"/>
+          </a:ln>
+        </p:spPr>
+        <p:style>
+          <a:lnRef idx="1">
+            <a:schemeClr val="accent1"/>
+          </a:lnRef>
+          <a:fillRef idx="0">
+            <a:schemeClr val="accent1"/>
+          </a:fillRef>
+          <a:effectRef idx="0">
+            <a:schemeClr val="accent1"/>
+          </a:effectRef>
+          <a:fontRef idx="minor">
+            <a:schemeClr val="tx1"/>
+          </a:fontRef>
+        </p:style>
+      </p:cxnSp>
+      <p:sp>
+        <p:nvSpPr>
+          <p:cNvPr id="11" name="文本框 10">
+            <a:extLst>
+              <a:ext uri="{FF2B5EF4-FFF2-40B4-BE49-F238E27FC236}">
+                <a16:creationId xmlns:a16="http://schemas.microsoft.com/office/drawing/2014/main" id="{8DD238AE-64FC-4480-BB51-97F8541EE6B0}"/>
+              </a:ext>
+            </a:extLst>
+          </p:cNvPr>
+          <p:cNvSpPr txBox="1"/>
+          <p:nvPr/>
+        </p:nvSpPr>
+        <p:spPr>
+          <a:xfrm>
+            <a:off x="6526875" y="3893531"/>
+            <a:ext cx="2060172" cy="523220"/>
+          </a:xfrm>
+          <a:prstGeom prst="rect">
+            <a:avLst/>
+          </a:prstGeom>
+          <a:noFill/>
+        </p:spPr>
+        <p:txBody>
+          <a:bodyPr wrap="square" rtlCol="0">
+            <a:spAutoFit/>
+          </a:bodyPr>
+          <a:lstStyle/>
+          <a:p>
+            <a:pPr marL="285750" indent="-285750">
+              <a:buFont typeface="Arial" panose="020B0604020202020204" pitchFamily="34" charset="0"/>
+              <a:buChar char="•"/>
+            </a:pPr>
+            <a:r>
+              <a:rPr lang="en-US" altLang="zh-CN" sz="1400" dirty="0"/>
+              <a:t>Manhattan distance</a:t>
+            </a:r>
+          </a:p>
+          <a:p>
+            <a:pPr marL="285750" indent="-285750">
+              <a:buFont typeface="Arial" panose="020B0604020202020204" pitchFamily="34" charset="0"/>
+              <a:buChar char="•"/>
+            </a:pPr>
+            <a:r>
+              <a:rPr lang="en-US" altLang="zh-CN" sz="1400" dirty="0"/>
+              <a:t>Euclidean distance</a:t>
+            </a:r>
+          </a:p>
+        </p:txBody>
+      </p:sp>
+      <p:cxnSp>
+        <p:nvCxnSpPr>
+          <p:cNvPr id="12" name="直接箭头连接符 11">
+            <a:extLst>
+              <a:ext uri="{FF2B5EF4-FFF2-40B4-BE49-F238E27FC236}">
+                <a16:creationId xmlns:a16="http://schemas.microsoft.com/office/drawing/2014/main" id="{DC786433-5294-4EF2-9A9D-687E0BBD8066}"/>
+              </a:ext>
+            </a:extLst>
+          </p:cNvPr>
+          <p:cNvCxnSpPr>
+            <a:cxnSpLocks/>
+            <a:stCxn id="8" idx="3"/>
+            <a:endCxn id="11" idx="1"/>
+          </p:cNvCxnSpPr>
+          <p:nvPr/>
+        </p:nvCxnSpPr>
+        <p:spPr>
+          <a:xfrm>
+            <a:off x="5880848" y="4155141"/>
+            <a:ext cx="646027" cy="0"/>
+          </a:xfrm>
+          <a:prstGeom prst="straightConnector1">
+            <a:avLst/>
+          </a:prstGeom>
+          <a:ln>
+            <a:solidFill>
+              <a:schemeClr val="tx1"/>
+            </a:solidFill>
+            <a:tailEnd type="triangle"/>
+          </a:ln>
+        </p:spPr>
+        <p:style>
+          <a:lnRef idx="1">
+            <a:schemeClr val="accent1"/>
+          </a:lnRef>
+          <a:fillRef idx="0">
+            <a:schemeClr val="accent1"/>
+          </a:fillRef>
+          <a:effectRef idx="0">
+            <a:schemeClr val="accent1"/>
+          </a:effectRef>
+          <a:fontRef idx="minor">
+            <a:schemeClr val="tx1"/>
+          </a:fontRef>
+        </p:style>
+      </p:cxnSp>
+    </p:spTree>
+    <p:extLst>
+      <p:ext uri="{BB962C8B-B14F-4D97-AF65-F5344CB8AC3E}">
+        <p14:creationId xmlns:p14="http://schemas.microsoft.com/office/powerpoint/2010/main" val="3205544809"/>
+      </p:ext>
+    </p:extLst>
+  </p:cSld>
+  <p:clrMapOvr>
+    <a:masterClrMapping/>
+  </p:clrMapOvr>
+</p:sld>
+</file>
+
+<file path=ppt/slides/slide12.xml><?xml version="1.0" encoding="utf-8"?>
+<p:sld xmlns:a="http://schemas.openxmlformats.org/drawingml/2006/main" xmlns:r="http://schemas.openxmlformats.org/officeDocument/2006/relationships" xmlns:p="http://schemas.openxmlformats.org/presentationml/2006/main">
+  <p:cSld>
+    <p:spTree>
+      <p:nvGrpSpPr>
+        <p:cNvPr id="1" name=""/>
+        <p:cNvGrpSpPr/>
+        <p:nvPr/>
+      </p:nvGrpSpPr>
+      <p:grpSpPr>
+        <a:xfrm>
+          <a:off x="0" y="0"/>
+          <a:ext cx="0" cy="0"/>
+          <a:chOff x="0" y="0"/>
+          <a:chExt cx="0" cy="0"/>
+        </a:xfrm>
+      </p:grpSpPr>
+      <p:sp>
+        <p:nvSpPr>
           <p:cNvPr id="2" name="Title 1"/>
           <p:cNvSpPr>
             <a:spLocks noGrp="1"/>
@@ -3165,15 +4157,15 @@
           <a:lstStyle/>
           <a:p>
             <a:r>
-              <a:rPr lang="en-US" altLang="zh-CN" dirty="0" smtClean="0"/>
+              <a:rPr lang="en-US" altLang="zh-CN" dirty="0"/>
               <a:t>Hamilton</a:t>
             </a:r>
             <a:r>
-              <a:rPr lang="zh-CN" altLang="en-US" dirty="0" smtClean="0"/>
+              <a:rPr lang="zh-CN" altLang="en-US" dirty="0"/>
               <a:t> </a:t>
             </a:r>
             <a:r>
-              <a:rPr lang="en-US" altLang="zh-CN" dirty="0" smtClean="0"/>
+              <a:rPr lang="en-US" altLang="zh-CN" dirty="0"/>
               <a:t>Algorithm</a:t>
             </a:r>
             <a:endParaRPr lang="en-US" dirty="0"/>
@@ -3197,38 +4189,22 @@
           <a:p>
             <a:r>
               <a:rPr lang="en-US" dirty="0"/>
-              <a:t>A Hamiltonian cycle, also called a Hamiltonian circuit, </a:t>
-            </a:r>
-            <a:r>
-              <a:rPr lang="en-US" dirty="0" smtClean="0"/>
-              <a:t>through </a:t>
+              <a:t>A Hamiltonian cycle, also called a Hamiltonian circuit, through a </a:t>
+            </a:r>
+            <a:r>
+              <a:rPr lang="en-US" altLang="zh-CN" dirty="0"/>
+              <a:t>graph</a:t>
+            </a:r>
+            <a:r>
+              <a:rPr lang="zh-CN" altLang="en-US" dirty="0"/>
+              <a:t> </a:t>
             </a:r>
             <a:r>
               <a:rPr lang="en-US" dirty="0"/>
-              <a:t>a </a:t>
-            </a:r>
-            <a:r>
-              <a:rPr lang="en-US" altLang="zh-CN" dirty="0" smtClean="0"/>
-              <a:t>graph</a:t>
-            </a:r>
-            <a:r>
-              <a:rPr lang="zh-CN" altLang="en-US" dirty="0" smtClean="0"/>
-              <a:t> </a:t>
-            </a:r>
-            <a:r>
-              <a:rPr lang="en-US" dirty="0" smtClean="0"/>
-              <a:t>that </a:t>
-            </a:r>
-            <a:r>
-              <a:rPr lang="en-US" dirty="0"/>
-              <a:t>visits each node exactly </a:t>
-            </a:r>
-            <a:r>
-              <a:rPr lang="en-US" dirty="0" smtClean="0"/>
-              <a:t>once</a:t>
-            </a:r>
-            <a:r>
-              <a:rPr lang="en-US" altLang="zh-CN" dirty="0" smtClean="0"/>
+              <a:t>that visits each node exactly once</a:t>
+            </a:r>
+            <a:r>
+              <a:rPr lang="en-US" altLang="zh-CN" dirty="0"/>
               <a:t>.</a:t>
             </a:r>
           </a:p>
@@ -3246,7 +4222,7 @@
           <p:nvPr/>
         </p:nvPicPr>
         <p:blipFill>
-          <a:blip r:embed="rId2">
+          <a:blip r:embed="rId2" cstate="email">
             <a:extLst>
               <a:ext uri="{28A0092B-C50C-407E-A947-70E740481C1C}">
                 <a14:useLocalDpi xmlns:a14="http://schemas.microsoft.com/office/drawing/2010/main" val="0"/>
@@ -3276,7 +4252,7 @@
           <p:nvPr/>
         </p:nvPicPr>
         <p:blipFill>
-          <a:blip r:embed="rId3">
+          <a:blip r:embed="rId3" cstate="email">
             <a:extLst>
               <a:ext uri="{28A0092B-C50C-407E-A947-70E740481C1C}">
                 <a14:useLocalDpi xmlns:a14="http://schemas.microsoft.com/office/drawing/2010/main" val="0"/>
@@ -3320,27 +4296,27 @@
           <a:lstStyle/>
           <a:p>
             <a:r>
-              <a:rPr lang="en-US" altLang="zh-CN" dirty="0" smtClean="0"/>
+              <a:rPr lang="en-US" altLang="zh-CN" dirty="0"/>
               <a:t>In</a:t>
             </a:r>
             <a:r>
-              <a:rPr lang="zh-CN" altLang="en-US" dirty="0" smtClean="0"/>
+              <a:rPr lang="zh-CN" altLang="en-US" dirty="0"/>
               <a:t> </a:t>
             </a:r>
             <a:r>
-              <a:rPr lang="en-US" altLang="zh-CN" dirty="0" smtClean="0"/>
+              <a:rPr lang="en-US" altLang="zh-CN" dirty="0"/>
               <a:t>Snake</a:t>
             </a:r>
             <a:r>
-              <a:rPr lang="zh-CN" altLang="en-US" dirty="0" smtClean="0"/>
+              <a:rPr lang="zh-CN" altLang="en-US" dirty="0"/>
               <a:t> </a:t>
             </a:r>
             <a:r>
-              <a:rPr lang="en-US" altLang="zh-CN" dirty="0" smtClean="0"/>
+              <a:rPr lang="en-US" altLang="zh-CN" dirty="0"/>
               <a:t>Game:</a:t>
             </a:r>
             <a:r>
-              <a:rPr lang="zh-CN" altLang="en-US" dirty="0" smtClean="0"/>
+              <a:rPr lang="zh-CN" altLang="en-US" dirty="0"/>
               <a:t> </a:t>
             </a:r>
             <a:endParaRPr lang="en-US" dirty="0"/>
@@ -3442,15 +4418,15 @@
           <a:lstStyle/>
           <a:p>
             <a:r>
-              <a:rPr lang="en-US" altLang="zh-CN" dirty="0" smtClean="0"/>
+              <a:rPr lang="en-US" altLang="zh-CN" dirty="0"/>
               <a:t>INITIAL</a:t>
             </a:r>
             <a:r>
-              <a:rPr lang="zh-CN" altLang="en-US" dirty="0" smtClean="0"/>
+              <a:rPr lang="zh-CN" altLang="en-US" dirty="0"/>
               <a:t> </a:t>
             </a:r>
             <a:r>
-              <a:rPr lang="en-US" altLang="zh-CN" dirty="0" smtClean="0"/>
+              <a:rPr lang="en-US" altLang="zh-CN" dirty="0"/>
               <a:t>SNAKE</a:t>
             </a:r>
             <a:endParaRPr lang="en-US" dirty="0"/>
@@ -3480,7 +4456,7 @@
           <a:lstStyle/>
           <a:p>
             <a:r>
-              <a:rPr lang="en-US" altLang="zh-CN" smtClean="0"/>
+              <a:rPr lang="en-US" altLang="zh-CN"/>
               <a:t>HEAD</a:t>
             </a:r>
             <a:endParaRPr lang="en-US"/>
@@ -3497,17 +4473,10 @@
   <p:clrMapOvr>
     <a:masterClrMapping/>
   </p:clrMapOvr>
-  <p:timing>
-    <p:tnLst>
-      <p:par>
-        <p:cTn id="1" dur="indefinite" restart="never" nodeType="tmRoot"/>
-      </p:par>
-    </p:tnLst>
-  </p:timing>
 </p:sld>
 </file>
 
-<file path=ppt/slides/slide3.xml><?xml version="1.0" encoding="utf-8"?>
+<file path=ppt/slides/slide13.xml><?xml version="1.0" encoding="utf-8"?>
 <p:sld xmlns:a="http://schemas.openxmlformats.org/drawingml/2006/main" xmlns:r="http://schemas.openxmlformats.org/officeDocument/2006/relationships" xmlns:p="http://schemas.openxmlformats.org/presentationml/2006/main">
   <p:cSld>
     <p:spTree>
@@ -3540,31 +4509,31 @@
           <a:lstStyle/>
           <a:p>
             <a:r>
-              <a:rPr lang="en-US" altLang="zh-CN" dirty="0" smtClean="0"/>
+              <a:rPr lang="en-US" altLang="zh-CN" dirty="0"/>
               <a:t>Build</a:t>
             </a:r>
             <a:r>
-              <a:rPr lang="zh-CN" altLang="en-US" dirty="0" smtClean="0"/>
+              <a:rPr lang="zh-CN" altLang="en-US" dirty="0"/>
               <a:t> </a:t>
             </a:r>
             <a:r>
-              <a:rPr lang="en-US" altLang="zh-CN" dirty="0" smtClean="0"/>
+              <a:rPr lang="en-US" altLang="zh-CN" dirty="0"/>
               <a:t>the</a:t>
             </a:r>
             <a:r>
-              <a:rPr lang="zh-CN" altLang="en-US" dirty="0" smtClean="0"/>
+              <a:rPr lang="zh-CN" altLang="en-US" dirty="0"/>
               <a:t> </a:t>
             </a:r>
             <a:r>
-              <a:rPr lang="en-US" altLang="zh-CN" dirty="0" smtClean="0"/>
+              <a:rPr lang="en-US" altLang="zh-CN" dirty="0"/>
               <a:t>Hamilton</a:t>
             </a:r>
             <a:r>
-              <a:rPr lang="zh-CN" altLang="en-US" dirty="0" smtClean="0"/>
+              <a:rPr lang="zh-CN" altLang="en-US" dirty="0"/>
               <a:t> </a:t>
             </a:r>
             <a:r>
-              <a:rPr lang="en-US" altLang="zh-CN" dirty="0" smtClean="0"/>
+              <a:rPr lang="en-US" altLang="zh-CN" dirty="0"/>
               <a:t>circle.</a:t>
             </a:r>
             <a:endParaRPr lang="en-US" dirty="0"/>
@@ -3582,7 +4551,7 @@
           </p:nvPr>
         </p:nvPicPr>
         <p:blipFill>
-          <a:blip r:embed="rId2">
+          <a:blip r:embed="rId2" cstate="email">
             <a:extLst>
               <a:ext uri="{28A0092B-C50C-407E-A947-70E740481C1C}">
                 <a14:useLocalDpi xmlns:a14="http://schemas.microsoft.com/office/drawing/2010/main" val="0"/>
@@ -3623,7 +4592,7 @@
           <a:lstStyle/>
           <a:p>
             <a:r>
-              <a:rPr lang="en-US" altLang="zh-CN" dirty="0" smtClean="0"/>
+              <a:rPr lang="en-US" altLang="zh-CN" dirty="0"/>
               <a:t>BFS</a:t>
             </a:r>
             <a:endParaRPr lang="en-US" dirty="0"/>
@@ -3640,17 +4609,10 @@
   <p:clrMapOvr>
     <a:masterClrMapping/>
   </p:clrMapOvr>
-  <p:timing>
-    <p:tnLst>
-      <p:par>
-        <p:cTn id="1" dur="indefinite" restart="never" nodeType="tmRoot"/>
-      </p:par>
-    </p:tnLst>
-  </p:timing>
 </p:sld>
 </file>
 
-<file path=ppt/slides/slide4.xml><?xml version="1.0" encoding="utf-8"?>
+<file path=ppt/slides/slide14.xml><?xml version="1.0" encoding="utf-8"?>
 <p:sld xmlns:a="http://schemas.openxmlformats.org/drawingml/2006/main" xmlns:r="http://schemas.openxmlformats.org/officeDocument/2006/relationships" xmlns:p="http://schemas.openxmlformats.org/presentationml/2006/main">
   <p:cSld>
     <p:spTree>
@@ -3683,47 +4645,47 @@
           <a:lstStyle/>
           <a:p>
             <a:r>
-              <a:rPr lang="en-US" altLang="zh-CN" dirty="0" smtClean="0"/>
+              <a:rPr lang="en-US" altLang="zh-CN" dirty="0"/>
               <a:t>Short</a:t>
             </a:r>
             <a:r>
-              <a:rPr lang="zh-CN" altLang="en-US" dirty="0" smtClean="0"/>
+              <a:rPr lang="zh-CN" altLang="en-US" dirty="0"/>
               <a:t> </a:t>
             </a:r>
             <a:r>
-              <a:rPr lang="en-US" altLang="zh-CN" dirty="0" smtClean="0"/>
+              <a:rPr lang="en-US" altLang="zh-CN" dirty="0"/>
               <a:t>Way:</a:t>
             </a:r>
             <a:r>
-              <a:rPr lang="zh-CN" altLang="en-US" dirty="0" smtClean="0"/>
+              <a:rPr lang="zh-CN" altLang="en-US" dirty="0"/>
               <a:t> </a:t>
             </a:r>
             <a:r>
-              <a:rPr lang="en-US" altLang="zh-CN" dirty="0" smtClean="0"/>
+              <a:rPr lang="en-US" altLang="zh-CN" dirty="0"/>
               <a:t>Not</a:t>
             </a:r>
             <a:r>
-              <a:rPr lang="zh-CN" altLang="en-US" dirty="0" smtClean="0"/>
+              <a:rPr lang="zh-CN" altLang="en-US" dirty="0"/>
               <a:t> </a:t>
             </a:r>
             <a:r>
-              <a:rPr lang="en-US" altLang="zh-CN" dirty="0" smtClean="0"/>
+              <a:rPr lang="en-US" altLang="zh-CN" dirty="0"/>
               <a:t>always</a:t>
             </a:r>
             <a:r>
-              <a:rPr lang="zh-CN" altLang="en-US" dirty="0" smtClean="0"/>
+              <a:rPr lang="zh-CN" altLang="en-US" dirty="0"/>
               <a:t> </a:t>
             </a:r>
             <a:r>
-              <a:rPr lang="en-US" altLang="zh-CN" dirty="0" smtClean="0"/>
+              <a:rPr lang="en-US" altLang="zh-CN" dirty="0"/>
               <a:t>Longest</a:t>
             </a:r>
             <a:r>
-              <a:rPr lang="zh-CN" altLang="en-US" dirty="0" smtClean="0"/>
+              <a:rPr lang="zh-CN" altLang="en-US" dirty="0"/>
               <a:t> </a:t>
             </a:r>
             <a:r>
-              <a:rPr lang="en-US" altLang="zh-CN" dirty="0" smtClean="0"/>
+              <a:rPr lang="en-US" altLang="zh-CN" dirty="0"/>
               <a:t>Way.</a:t>
             </a:r>
             <a:endParaRPr lang="en-US" dirty="0"/>
@@ -3741,7 +4703,7 @@
           </p:nvPr>
         </p:nvPicPr>
         <p:blipFill>
-          <a:blip r:embed="rId2">
+          <a:blip r:embed="rId2" cstate="email">
             <a:extLst>
               <a:ext uri="{28A0092B-C50C-407E-A947-70E740481C1C}">
                 <a14:useLocalDpi xmlns:a14="http://schemas.microsoft.com/office/drawing/2010/main" val="0"/>
@@ -3783,13 +4745,2116 @@
   <p:clrMapOvr>
     <a:masterClrMapping/>
   </p:clrMapOvr>
-  <p:timing>
-    <p:tnLst>
-      <p:par>
-        <p:cTn id="1" dur="indefinite" restart="never" nodeType="tmRoot"/>
-      </p:par>
-    </p:tnLst>
-  </p:timing>
+</p:sld>
+</file>
+
+<file path=ppt/slides/slide15.xml><?xml version="1.0" encoding="utf-8"?>
+<p:sld xmlns:a="http://schemas.openxmlformats.org/drawingml/2006/main" xmlns:r="http://schemas.openxmlformats.org/officeDocument/2006/relationships" xmlns:p="http://schemas.openxmlformats.org/presentationml/2006/main">
+  <p:cSld>
+    <p:spTree>
+      <p:nvGrpSpPr>
+        <p:cNvPr id="1" name=""/>
+        <p:cNvGrpSpPr/>
+        <p:nvPr/>
+      </p:nvGrpSpPr>
+      <p:grpSpPr>
+        <a:xfrm>
+          <a:off x="0" y="0"/>
+          <a:ext cx="0" cy="0"/>
+          <a:chOff x="0" y="0"/>
+          <a:chExt cx="0" cy="0"/>
+        </a:xfrm>
+      </p:grpSpPr>
+      <p:sp>
+        <p:nvSpPr>
+          <p:cNvPr id="2" name="标题 1">
+            <a:extLst>
+              <a:ext uri="{FF2B5EF4-FFF2-40B4-BE49-F238E27FC236}">
+                <a16:creationId xmlns:a16="http://schemas.microsoft.com/office/drawing/2014/main" id="{E5510F8E-6E35-42B8-BB59-3A5CFE98322B}"/>
+              </a:ext>
+            </a:extLst>
+          </p:cNvPr>
+          <p:cNvSpPr>
+            <a:spLocks noGrp="1"/>
+          </p:cNvSpPr>
+          <p:nvPr>
+            <p:ph type="title"/>
+          </p:nvPr>
+        </p:nvSpPr>
+        <p:spPr/>
+        <p:txBody>
+          <a:bodyPr/>
+          <a:lstStyle/>
+          <a:p>
+            <a:r>
+              <a:rPr lang="en-US" dirty="0"/>
+              <a:t>Analysis</a:t>
+            </a:r>
+          </a:p>
+        </p:txBody>
+      </p:sp>
+      <p:sp>
+        <p:nvSpPr>
+          <p:cNvPr id="3" name="内容占位符 2">
+            <a:extLst>
+              <a:ext uri="{FF2B5EF4-FFF2-40B4-BE49-F238E27FC236}">
+                <a16:creationId xmlns:a16="http://schemas.microsoft.com/office/drawing/2014/main" id="{6D1568C3-5111-4938-9DFA-03727DE3D268}"/>
+              </a:ext>
+            </a:extLst>
+          </p:cNvPr>
+          <p:cNvSpPr>
+            <a:spLocks noGrp="1"/>
+          </p:cNvSpPr>
+          <p:nvPr>
+            <p:ph idx="1"/>
+          </p:nvPr>
+        </p:nvSpPr>
+        <p:spPr/>
+        <p:txBody>
+          <a:bodyPr/>
+          <a:lstStyle/>
+          <a:p>
+            <a:endParaRPr lang="en-US" dirty="0"/>
+          </a:p>
+        </p:txBody>
+      </p:sp>
+    </p:spTree>
+    <p:extLst>
+      <p:ext uri="{BB962C8B-B14F-4D97-AF65-F5344CB8AC3E}">
+        <p14:creationId xmlns:p14="http://schemas.microsoft.com/office/powerpoint/2010/main" val="912106751"/>
+      </p:ext>
+    </p:extLst>
+  </p:cSld>
+  <p:clrMapOvr>
+    <a:masterClrMapping/>
+  </p:clrMapOvr>
+</p:sld>
+</file>
+
+<file path=ppt/slides/slide2.xml><?xml version="1.0" encoding="utf-8"?>
+<p:sld xmlns:a="http://schemas.openxmlformats.org/drawingml/2006/main" xmlns:r="http://schemas.openxmlformats.org/officeDocument/2006/relationships" xmlns:p="http://schemas.openxmlformats.org/presentationml/2006/main">
+  <p:cSld>
+    <p:spTree>
+      <p:nvGrpSpPr>
+        <p:cNvPr id="1" name=""/>
+        <p:cNvGrpSpPr/>
+        <p:nvPr/>
+      </p:nvGrpSpPr>
+      <p:grpSpPr>
+        <a:xfrm>
+          <a:off x="0" y="0"/>
+          <a:ext cx="0" cy="0"/>
+          <a:chOff x="0" y="0"/>
+          <a:chExt cx="0" cy="0"/>
+        </a:xfrm>
+      </p:grpSpPr>
+      <p:sp>
+        <p:nvSpPr>
+          <p:cNvPr id="2" name="标题 1">
+            <a:extLst>
+              <a:ext uri="{FF2B5EF4-FFF2-40B4-BE49-F238E27FC236}">
+                <a16:creationId xmlns:a16="http://schemas.microsoft.com/office/drawing/2014/main" id="{6E12DA31-A53A-4FB8-81E7-E92F5E56BA37}"/>
+              </a:ext>
+            </a:extLst>
+          </p:cNvPr>
+          <p:cNvSpPr>
+            <a:spLocks noGrp="1"/>
+          </p:cNvSpPr>
+          <p:nvPr>
+            <p:ph type="title"/>
+          </p:nvPr>
+        </p:nvSpPr>
+        <p:spPr>
+          <a:xfrm>
+            <a:off x="457200" y="896470"/>
+            <a:ext cx="8229600" cy="808038"/>
+          </a:xfrm>
+        </p:spPr>
+        <p:txBody>
+          <a:bodyPr/>
+          <a:lstStyle/>
+          <a:p>
+            <a:r>
+              <a:rPr lang="en-US" dirty="0"/>
+              <a:t>Snake Game</a:t>
+            </a:r>
+          </a:p>
+        </p:txBody>
+      </p:sp>
+      <p:sp>
+        <p:nvSpPr>
+          <p:cNvPr id="3" name="内容占位符 2">
+            <a:extLst>
+              <a:ext uri="{FF2B5EF4-FFF2-40B4-BE49-F238E27FC236}">
+                <a16:creationId xmlns:a16="http://schemas.microsoft.com/office/drawing/2014/main" id="{30FD1698-EAB3-4EEE-AE60-F804B6E64FA2}"/>
+              </a:ext>
+            </a:extLst>
+          </p:cNvPr>
+          <p:cNvSpPr>
+            <a:spLocks noGrp="1"/>
+          </p:cNvSpPr>
+          <p:nvPr>
+            <p:ph idx="1"/>
+          </p:nvPr>
+        </p:nvSpPr>
+        <p:spPr>
+          <a:xfrm>
+            <a:off x="457200" y="1891554"/>
+            <a:ext cx="8229600" cy="4533900"/>
+          </a:xfrm>
+        </p:spPr>
+        <p:txBody>
+          <a:bodyPr/>
+          <a:lstStyle/>
+          <a:p>
+            <a:r>
+              <a:rPr lang="en-US" altLang="zh-CN" dirty="0"/>
+              <a:t>Snake Game can be divided into several parts:</a:t>
+            </a:r>
+          </a:p>
+          <a:p>
+            <a:pPr lvl="1"/>
+            <a:r>
+              <a:rPr lang="en-US" altLang="zh-CN" dirty="0"/>
+              <a:t>Map</a:t>
+            </a:r>
+          </a:p>
+          <a:p>
+            <a:pPr lvl="1"/>
+            <a:r>
+              <a:rPr lang="en-US" altLang="zh-CN" dirty="0"/>
+              <a:t>Snake</a:t>
+            </a:r>
+          </a:p>
+          <a:p>
+            <a:pPr lvl="1"/>
+            <a:r>
+              <a:rPr lang="en-US" altLang="zh-CN" dirty="0"/>
+              <a:t>Food</a:t>
+            </a:r>
+          </a:p>
+          <a:p>
+            <a:endParaRPr lang="en-US" altLang="zh-CN" dirty="0"/>
+          </a:p>
+          <a:p>
+            <a:r>
+              <a:rPr lang="en-US" altLang="zh-CN" dirty="0"/>
+              <a:t>Implement Snake Game using Graph Theory</a:t>
+            </a:r>
+          </a:p>
+          <a:p>
+            <a:pPr lvl="1"/>
+            <a:r>
+              <a:rPr lang="en-US" altLang="zh-CN" dirty="0"/>
+              <a:t>Map, </a:t>
+            </a:r>
+            <a:r>
+              <a:rPr lang="en-US" altLang="zh-CN" dirty="0" err="1"/>
+              <a:t>undrectied</a:t>
+            </a:r>
+            <a:r>
+              <a:rPr lang="en-US" altLang="zh-CN" dirty="0"/>
+              <a:t> graph, each edge weights is 1, wall will be marked out as broken vertices</a:t>
+            </a:r>
+          </a:p>
+          <a:p>
+            <a:pPr lvl="1"/>
+            <a:r>
+              <a:rPr lang="en-US" altLang="zh-CN" dirty="0"/>
+              <a:t>Snake, body of snake would also be marked as broken vertices</a:t>
+            </a:r>
+          </a:p>
+          <a:p>
+            <a:pPr lvl="1"/>
+            <a:r>
+              <a:rPr lang="en-US" altLang="zh-CN" dirty="0"/>
+              <a:t>Food, marked as a normal </a:t>
+            </a:r>
+            <a:r>
+              <a:rPr lang="en-US" altLang="zh-CN" dirty="0" err="1"/>
+              <a:t>vertice</a:t>
+            </a:r>
+            <a:endParaRPr lang="en-US" altLang="zh-CN" dirty="0"/>
+          </a:p>
+          <a:p>
+            <a:pPr marL="0" indent="0">
+              <a:buNone/>
+            </a:pPr>
+            <a:endParaRPr lang="en-US" dirty="0"/>
+          </a:p>
+        </p:txBody>
+      </p:sp>
+    </p:spTree>
+    <p:extLst>
+      <p:ext uri="{BB962C8B-B14F-4D97-AF65-F5344CB8AC3E}">
+        <p14:creationId xmlns:p14="http://schemas.microsoft.com/office/powerpoint/2010/main" val="2686263747"/>
+      </p:ext>
+    </p:extLst>
+  </p:cSld>
+  <p:clrMapOvr>
+    <a:masterClrMapping/>
+  </p:clrMapOvr>
+</p:sld>
+</file>
+
+<file path=ppt/slides/slide3.xml><?xml version="1.0" encoding="utf-8"?>
+<p:sld xmlns:a="http://schemas.openxmlformats.org/drawingml/2006/main" xmlns:r="http://schemas.openxmlformats.org/officeDocument/2006/relationships" xmlns:p="http://schemas.openxmlformats.org/presentationml/2006/main">
+  <p:cSld>
+    <p:spTree>
+      <p:nvGrpSpPr>
+        <p:cNvPr id="1" name=""/>
+        <p:cNvGrpSpPr/>
+        <p:nvPr/>
+      </p:nvGrpSpPr>
+      <p:grpSpPr>
+        <a:xfrm>
+          <a:off x="0" y="0"/>
+          <a:ext cx="0" cy="0"/>
+          <a:chOff x="0" y="0"/>
+          <a:chExt cx="0" cy="0"/>
+        </a:xfrm>
+      </p:grpSpPr>
+      <p:sp>
+        <p:nvSpPr>
+          <p:cNvPr id="2" name="标题 1">
+            <a:extLst>
+              <a:ext uri="{FF2B5EF4-FFF2-40B4-BE49-F238E27FC236}">
+                <a16:creationId xmlns:a16="http://schemas.microsoft.com/office/drawing/2014/main" id="{BC2512FD-E1B9-4053-A3D5-0CE1409C7018}"/>
+              </a:ext>
+            </a:extLst>
+          </p:cNvPr>
+          <p:cNvSpPr>
+            <a:spLocks noGrp="1"/>
+          </p:cNvSpPr>
+          <p:nvPr>
+            <p:ph type="title"/>
+          </p:nvPr>
+        </p:nvSpPr>
+        <p:spPr>
+          <a:xfrm>
+            <a:off x="310896" y="3628195"/>
+            <a:ext cx="8229600" cy="808038"/>
+          </a:xfrm>
+        </p:spPr>
+        <p:txBody>
+          <a:bodyPr/>
+          <a:lstStyle/>
+          <a:p>
+            <a:r>
+              <a:rPr lang="en-US" dirty="0"/>
+              <a:t>Purpose</a:t>
+            </a:r>
+          </a:p>
+        </p:txBody>
+      </p:sp>
+      <p:sp>
+        <p:nvSpPr>
+          <p:cNvPr id="3" name="内容占位符 2">
+            <a:extLst>
+              <a:ext uri="{FF2B5EF4-FFF2-40B4-BE49-F238E27FC236}">
+                <a16:creationId xmlns:a16="http://schemas.microsoft.com/office/drawing/2014/main" id="{B4600EC1-547A-419F-B6DA-879E77802D42}"/>
+              </a:ext>
+            </a:extLst>
+          </p:cNvPr>
+          <p:cNvSpPr>
+            <a:spLocks noGrp="1"/>
+          </p:cNvSpPr>
+          <p:nvPr>
+            <p:ph idx="1"/>
+          </p:nvPr>
+        </p:nvSpPr>
+        <p:spPr>
+          <a:xfrm>
+            <a:off x="310896" y="4542595"/>
+            <a:ext cx="8229600" cy="1407459"/>
+          </a:xfrm>
+        </p:spPr>
+        <p:txBody>
+          <a:bodyPr/>
+          <a:lstStyle/>
+          <a:p>
+            <a:r>
+              <a:rPr lang="en-US" dirty="0"/>
+              <a:t>Implement an AI for the snake</a:t>
+            </a:r>
+          </a:p>
+          <a:p>
+            <a:pPr lvl="1"/>
+            <a:r>
+              <a:rPr lang="en-US" dirty="0"/>
+              <a:t>Get score</a:t>
+            </a:r>
+          </a:p>
+          <a:p>
+            <a:pPr lvl="1"/>
+            <a:r>
+              <a:rPr lang="en-US" dirty="0"/>
+              <a:t>Be alive</a:t>
+            </a:r>
+          </a:p>
+          <a:p>
+            <a:pPr lvl="1"/>
+            <a:endParaRPr lang="en-US" dirty="0"/>
+          </a:p>
+        </p:txBody>
+      </p:sp>
+      <p:sp>
+        <p:nvSpPr>
+          <p:cNvPr id="4" name="标题 1">
+            <a:extLst>
+              <a:ext uri="{FF2B5EF4-FFF2-40B4-BE49-F238E27FC236}">
+                <a16:creationId xmlns:a16="http://schemas.microsoft.com/office/drawing/2014/main" id="{6E419286-2BEF-4ACD-95AC-3E79D512B8BF}"/>
+              </a:ext>
+            </a:extLst>
+          </p:cNvPr>
+          <p:cNvSpPr txBox="1">
+            <a:spLocks/>
+          </p:cNvSpPr>
+          <p:nvPr/>
+        </p:nvSpPr>
+        <p:spPr bwMode="auto">
+          <a:xfrm>
+            <a:off x="310896" y="612509"/>
+            <a:ext cx="8229600" cy="808038"/>
+          </a:xfrm>
+          <a:prstGeom prst="rect">
+            <a:avLst/>
+          </a:prstGeom>
+          <a:noFill/>
+          <a:ln>
+            <a:noFill/>
+          </a:ln>
+          <a:extLst>
+            <a:ext uri="{FAA26D3D-D897-4be2-8F04-BA451C77F1D7}">
+              <ma14:placeholderFlag xmlns="" xmlns:ma14="http://schemas.microsoft.com/office/mac/drawingml/2011/main" val="1"/>
+            </a:ext>
+            <a:ext uri="{909E8E84-426E-40dd-AFC4-6F175D3DCCD1}">
+              <a14:hiddenFill xmlns:a14="http://schemas.microsoft.com/office/drawing/2010/main" xmlns="">
+                <a:solidFill>
+                  <a:srgbClr val="FFFFFF"/>
+                </a:solidFill>
+              </a14:hiddenFill>
+            </a:ext>
+            <a:ext uri="{91240B29-F687-4f45-9708-019B960494DF}">
+              <a14:hiddenLine xmlns:a14="http://schemas.microsoft.com/office/drawing/2010/main" xmlns="" w="9525">
+                <a:solidFill>
+                  <a:srgbClr val="000000"/>
+                </a:solidFill>
+                <a:miter lim="800000"/>
+                <a:headEnd/>
+                <a:tailEnd/>
+              </a14:hiddenLine>
+            </a:ext>
+          </a:extLst>
+        </p:spPr>
+        <p:txBody>
+          <a:bodyPr vert="horz" wrap="square" lIns="91440" tIns="45720" rIns="91440" bIns="45720" numCol="1" anchor="ctr" anchorCtr="0" compatLnSpc="1">
+            <a:prstTxWarp prst="textNoShape">
+              <a:avLst/>
+            </a:prstTxWarp>
+          </a:bodyPr>
+          <a:lstStyle>
+            <a:lvl1pPr algn="l" rtl="0" eaLnBrk="1" fontAlgn="base" hangingPunct="1">
+              <a:spcBef>
+                <a:spcPct val="0"/>
+              </a:spcBef>
+              <a:spcAft>
+                <a:spcPct val="0"/>
+              </a:spcAft>
+              <a:defRPr sz="3000">
+                <a:solidFill>
+                  <a:schemeClr val="tx2"/>
+                </a:solidFill>
+                <a:latin typeface="+mj-lt"/>
+                <a:ea typeface="ヒラギノ角ゴ Pro W3" charset="0"/>
+                <a:cs typeface="Geneva" charset="0"/>
+              </a:defRPr>
+            </a:lvl1pPr>
+            <a:lvl2pPr algn="l" rtl="0" eaLnBrk="1" fontAlgn="base" hangingPunct="1">
+              <a:spcBef>
+                <a:spcPct val="0"/>
+              </a:spcBef>
+              <a:spcAft>
+                <a:spcPct val="0"/>
+              </a:spcAft>
+              <a:defRPr sz="3000">
+                <a:solidFill>
+                  <a:schemeClr val="tx2"/>
+                </a:solidFill>
+                <a:latin typeface="Arial" charset="0"/>
+                <a:ea typeface="ヒラギノ角ゴ Pro W3" charset="0"/>
+                <a:cs typeface="Geneva" charset="0"/>
+              </a:defRPr>
+            </a:lvl2pPr>
+            <a:lvl3pPr algn="l" rtl="0" eaLnBrk="1" fontAlgn="base" hangingPunct="1">
+              <a:spcBef>
+                <a:spcPct val="0"/>
+              </a:spcBef>
+              <a:spcAft>
+                <a:spcPct val="0"/>
+              </a:spcAft>
+              <a:defRPr sz="3000">
+                <a:solidFill>
+                  <a:schemeClr val="tx2"/>
+                </a:solidFill>
+                <a:latin typeface="Arial" charset="0"/>
+                <a:ea typeface="ヒラギノ角ゴ Pro W3" charset="0"/>
+                <a:cs typeface="Geneva" charset="0"/>
+              </a:defRPr>
+            </a:lvl3pPr>
+            <a:lvl4pPr algn="l" rtl="0" eaLnBrk="1" fontAlgn="base" hangingPunct="1">
+              <a:spcBef>
+                <a:spcPct val="0"/>
+              </a:spcBef>
+              <a:spcAft>
+                <a:spcPct val="0"/>
+              </a:spcAft>
+              <a:defRPr sz="3000">
+                <a:solidFill>
+                  <a:schemeClr val="tx2"/>
+                </a:solidFill>
+                <a:latin typeface="Arial" charset="0"/>
+                <a:ea typeface="ヒラギノ角ゴ Pro W3" charset="0"/>
+                <a:cs typeface="Geneva" charset="0"/>
+              </a:defRPr>
+            </a:lvl4pPr>
+            <a:lvl5pPr algn="l" rtl="0" eaLnBrk="1" fontAlgn="base" hangingPunct="1">
+              <a:spcBef>
+                <a:spcPct val="0"/>
+              </a:spcBef>
+              <a:spcAft>
+                <a:spcPct val="0"/>
+              </a:spcAft>
+              <a:defRPr sz="3000">
+                <a:solidFill>
+                  <a:schemeClr val="tx2"/>
+                </a:solidFill>
+                <a:latin typeface="Arial" charset="0"/>
+                <a:ea typeface="ヒラギノ角ゴ Pro W3" charset="0"/>
+                <a:cs typeface="Geneva" charset="0"/>
+              </a:defRPr>
+            </a:lvl5pPr>
+            <a:lvl6pPr marL="457200" algn="l" rtl="0" eaLnBrk="1" fontAlgn="base" hangingPunct="1">
+              <a:spcBef>
+                <a:spcPct val="0"/>
+              </a:spcBef>
+              <a:spcAft>
+                <a:spcPct val="0"/>
+              </a:spcAft>
+              <a:defRPr sz="3000">
+                <a:solidFill>
+                  <a:schemeClr val="tx2"/>
+                </a:solidFill>
+                <a:latin typeface="Arial" charset="0"/>
+              </a:defRPr>
+            </a:lvl6pPr>
+            <a:lvl7pPr marL="914400" algn="l" rtl="0" eaLnBrk="1" fontAlgn="base" hangingPunct="1">
+              <a:spcBef>
+                <a:spcPct val="0"/>
+              </a:spcBef>
+              <a:spcAft>
+                <a:spcPct val="0"/>
+              </a:spcAft>
+              <a:defRPr sz="3000">
+                <a:solidFill>
+                  <a:schemeClr val="tx2"/>
+                </a:solidFill>
+                <a:latin typeface="Arial" charset="0"/>
+              </a:defRPr>
+            </a:lvl7pPr>
+            <a:lvl8pPr marL="1371600" algn="l" rtl="0" eaLnBrk="1" fontAlgn="base" hangingPunct="1">
+              <a:spcBef>
+                <a:spcPct val="0"/>
+              </a:spcBef>
+              <a:spcAft>
+                <a:spcPct val="0"/>
+              </a:spcAft>
+              <a:defRPr sz="3000">
+                <a:solidFill>
+                  <a:schemeClr val="tx2"/>
+                </a:solidFill>
+                <a:latin typeface="Arial" charset="0"/>
+              </a:defRPr>
+            </a:lvl8pPr>
+            <a:lvl9pPr marL="1828800" algn="l" rtl="0" eaLnBrk="1" fontAlgn="base" hangingPunct="1">
+              <a:spcBef>
+                <a:spcPct val="0"/>
+              </a:spcBef>
+              <a:spcAft>
+                <a:spcPct val="0"/>
+              </a:spcAft>
+              <a:defRPr sz="3000">
+                <a:solidFill>
+                  <a:schemeClr val="tx2"/>
+                </a:solidFill>
+                <a:latin typeface="Arial" charset="0"/>
+              </a:defRPr>
+            </a:lvl9pPr>
+          </a:lstStyle>
+          <a:p>
+            <a:r>
+              <a:rPr lang="en-US" kern="0" dirty="0"/>
+              <a:t>Principle</a:t>
+            </a:r>
+          </a:p>
+        </p:txBody>
+      </p:sp>
+      <p:sp>
+        <p:nvSpPr>
+          <p:cNvPr id="5" name="内容占位符 2">
+            <a:extLst>
+              <a:ext uri="{FF2B5EF4-FFF2-40B4-BE49-F238E27FC236}">
+                <a16:creationId xmlns:a16="http://schemas.microsoft.com/office/drawing/2014/main" id="{596ED342-E43D-4986-A3DF-3DDD4F0F3E04}"/>
+              </a:ext>
+            </a:extLst>
+          </p:cNvPr>
+          <p:cNvSpPr txBox="1">
+            <a:spLocks/>
+          </p:cNvSpPr>
+          <p:nvPr/>
+        </p:nvSpPr>
+        <p:spPr bwMode="auto">
+          <a:xfrm>
+            <a:off x="310896" y="1526909"/>
+            <a:ext cx="8229600" cy="1407459"/>
+          </a:xfrm>
+          <a:prstGeom prst="rect">
+            <a:avLst/>
+          </a:prstGeom>
+          <a:noFill/>
+          <a:ln>
+            <a:noFill/>
+          </a:ln>
+          <a:extLst>
+            <a:ext uri="{FAA26D3D-D897-4be2-8F04-BA451C77F1D7}">
+              <ma14:placeholderFlag xmlns="" xmlns:ma14="http://schemas.microsoft.com/office/mac/drawingml/2011/main" val="1"/>
+            </a:ext>
+            <a:ext uri="{909E8E84-426E-40dd-AFC4-6F175D3DCCD1}">
+              <a14:hiddenFill xmlns:a14="http://schemas.microsoft.com/office/drawing/2010/main" xmlns="">
+                <a:solidFill>
+                  <a:srgbClr val="FFFFFF"/>
+                </a:solidFill>
+              </a14:hiddenFill>
+            </a:ext>
+            <a:ext uri="{91240B29-F687-4f45-9708-019B960494DF}">
+              <a14:hiddenLine xmlns:a14="http://schemas.microsoft.com/office/drawing/2010/main" xmlns="" w="9525">
+                <a:solidFill>
+                  <a:srgbClr val="000000"/>
+                </a:solidFill>
+                <a:miter lim="800000"/>
+                <a:headEnd/>
+                <a:tailEnd/>
+              </a14:hiddenLine>
+            </a:ext>
+          </a:extLst>
+        </p:spPr>
+        <p:txBody>
+          <a:bodyPr vert="horz" wrap="square" lIns="91440" tIns="45720" rIns="91440" bIns="45720" numCol="1" anchor="t" anchorCtr="0" compatLnSpc="1">
+            <a:prstTxWarp prst="textNoShape">
+              <a:avLst/>
+            </a:prstTxWarp>
+          </a:bodyPr>
+          <a:lstStyle>
+            <a:lvl1pPr marL="342900" indent="-342900" algn="l" rtl="0" eaLnBrk="1" fontAlgn="base" hangingPunct="1">
+              <a:spcBef>
+                <a:spcPct val="20000"/>
+              </a:spcBef>
+              <a:spcAft>
+                <a:spcPct val="0"/>
+              </a:spcAft>
+              <a:buChar char="•"/>
+              <a:defRPr sz="2200">
+                <a:solidFill>
+                  <a:schemeClr val="tx2"/>
+                </a:solidFill>
+                <a:latin typeface="+mn-lt"/>
+                <a:ea typeface="ヒラギノ角ゴ Pro W3" charset="0"/>
+                <a:cs typeface="Geneva" charset="0"/>
+              </a:defRPr>
+            </a:lvl1pPr>
+            <a:lvl2pPr marL="742950" indent="-285750" algn="l" rtl="0" eaLnBrk="1" fontAlgn="base" hangingPunct="1">
+              <a:spcBef>
+                <a:spcPct val="20000"/>
+              </a:spcBef>
+              <a:spcAft>
+                <a:spcPct val="0"/>
+              </a:spcAft>
+              <a:buChar char="–"/>
+              <a:defRPr>
+                <a:solidFill>
+                  <a:schemeClr val="tx2"/>
+                </a:solidFill>
+                <a:latin typeface="+mn-lt"/>
+                <a:ea typeface="Geneva" charset="0"/>
+                <a:cs typeface="Geneva" charset="0"/>
+              </a:defRPr>
+            </a:lvl2pPr>
+            <a:lvl3pPr marL="1143000" indent="-228600" algn="l" rtl="0" eaLnBrk="1" fontAlgn="base" hangingPunct="1">
+              <a:spcBef>
+                <a:spcPct val="20000"/>
+              </a:spcBef>
+              <a:spcAft>
+                <a:spcPct val="0"/>
+              </a:spcAft>
+              <a:buChar char="•"/>
+              <a:defRPr sz="1600">
+                <a:solidFill>
+                  <a:schemeClr val="tx2"/>
+                </a:solidFill>
+                <a:latin typeface="+mn-lt"/>
+                <a:ea typeface="Geneva" charset="0"/>
+                <a:cs typeface="Geneva" charset="0"/>
+              </a:defRPr>
+            </a:lvl3pPr>
+            <a:lvl4pPr marL="1600200" indent="-228600" algn="l" rtl="0" eaLnBrk="1" fontAlgn="base" hangingPunct="1">
+              <a:spcBef>
+                <a:spcPct val="20000"/>
+              </a:spcBef>
+              <a:spcAft>
+                <a:spcPct val="0"/>
+              </a:spcAft>
+              <a:buChar char="–"/>
+              <a:defRPr sz="1400">
+                <a:solidFill>
+                  <a:schemeClr val="tx2"/>
+                </a:solidFill>
+                <a:latin typeface="+mn-lt"/>
+                <a:ea typeface="Geneva" charset="0"/>
+                <a:cs typeface="Geneva" charset="0"/>
+              </a:defRPr>
+            </a:lvl4pPr>
+            <a:lvl5pPr marL="2057400" indent="-228600" algn="l" rtl="0" eaLnBrk="1" fontAlgn="base" hangingPunct="1">
+              <a:spcBef>
+                <a:spcPct val="20000"/>
+              </a:spcBef>
+              <a:spcAft>
+                <a:spcPct val="0"/>
+              </a:spcAft>
+              <a:buChar char="»"/>
+              <a:defRPr sz="1400">
+                <a:solidFill>
+                  <a:schemeClr val="tx2"/>
+                </a:solidFill>
+                <a:latin typeface="+mn-lt"/>
+                <a:ea typeface="Geneva" charset="0"/>
+                <a:cs typeface="Geneva" charset="0"/>
+              </a:defRPr>
+            </a:lvl5pPr>
+            <a:lvl6pPr marL="2514600" indent="-228600" algn="l" rtl="0" eaLnBrk="1" fontAlgn="base" hangingPunct="1">
+              <a:spcBef>
+                <a:spcPct val="20000"/>
+              </a:spcBef>
+              <a:spcAft>
+                <a:spcPct val="0"/>
+              </a:spcAft>
+              <a:buChar char="»"/>
+              <a:defRPr sz="1400">
+                <a:solidFill>
+                  <a:srgbClr val="5F5F5F"/>
+                </a:solidFill>
+                <a:latin typeface="+mn-lt"/>
+              </a:defRPr>
+            </a:lvl6pPr>
+            <a:lvl7pPr marL="2971800" indent="-228600" algn="l" rtl="0" eaLnBrk="1" fontAlgn="base" hangingPunct="1">
+              <a:spcBef>
+                <a:spcPct val="20000"/>
+              </a:spcBef>
+              <a:spcAft>
+                <a:spcPct val="0"/>
+              </a:spcAft>
+              <a:buChar char="»"/>
+              <a:defRPr sz="1400">
+                <a:solidFill>
+                  <a:srgbClr val="5F5F5F"/>
+                </a:solidFill>
+                <a:latin typeface="+mn-lt"/>
+              </a:defRPr>
+            </a:lvl7pPr>
+            <a:lvl8pPr marL="3429000" indent="-228600" algn="l" rtl="0" eaLnBrk="1" fontAlgn="base" hangingPunct="1">
+              <a:spcBef>
+                <a:spcPct val="20000"/>
+              </a:spcBef>
+              <a:spcAft>
+                <a:spcPct val="0"/>
+              </a:spcAft>
+              <a:buChar char="»"/>
+              <a:defRPr sz="1400">
+                <a:solidFill>
+                  <a:srgbClr val="5F5F5F"/>
+                </a:solidFill>
+                <a:latin typeface="+mn-lt"/>
+              </a:defRPr>
+            </a:lvl8pPr>
+            <a:lvl9pPr marL="3886200" indent="-228600" algn="l" rtl="0" eaLnBrk="1" fontAlgn="base" hangingPunct="1">
+              <a:spcBef>
+                <a:spcPct val="20000"/>
+              </a:spcBef>
+              <a:spcAft>
+                <a:spcPct val="0"/>
+              </a:spcAft>
+              <a:buChar char="»"/>
+              <a:defRPr sz="1400">
+                <a:solidFill>
+                  <a:srgbClr val="5F5F5F"/>
+                </a:solidFill>
+                <a:latin typeface="+mn-lt"/>
+              </a:defRPr>
+            </a:lvl9pPr>
+          </a:lstStyle>
+          <a:p>
+            <a:r>
+              <a:rPr lang="en-US" sz="1800" kern="0" dirty="0"/>
+              <a:t>Snake length will start as 3</a:t>
+            </a:r>
+          </a:p>
+          <a:p>
+            <a:endParaRPr lang="en-US" sz="1800" kern="0" dirty="0"/>
+          </a:p>
+          <a:p>
+            <a:r>
+              <a:rPr lang="en-US" sz="1800" kern="0" dirty="0"/>
+              <a:t>Food will generate after the last food was taken</a:t>
+            </a:r>
+          </a:p>
+          <a:p>
+            <a:endParaRPr lang="en-US" sz="1800" kern="0" dirty="0"/>
+          </a:p>
+          <a:p>
+            <a:r>
+              <a:rPr lang="en-US" sz="1800" kern="0" dirty="0"/>
+              <a:t>The snake can not hit the wall and its own body</a:t>
+            </a:r>
+          </a:p>
+          <a:p>
+            <a:pPr marL="457200" lvl="1" indent="0">
+              <a:buNone/>
+            </a:pPr>
+            <a:endParaRPr lang="en-US" sz="1800" kern="0" dirty="0"/>
+          </a:p>
+          <a:p>
+            <a:pPr lvl="1"/>
+            <a:endParaRPr lang="en-US" sz="1800" kern="0" dirty="0"/>
+          </a:p>
+        </p:txBody>
+      </p:sp>
+    </p:spTree>
+    <p:extLst>
+      <p:ext uri="{BB962C8B-B14F-4D97-AF65-F5344CB8AC3E}">
+        <p14:creationId xmlns:p14="http://schemas.microsoft.com/office/powerpoint/2010/main" val="4105474880"/>
+      </p:ext>
+    </p:extLst>
+  </p:cSld>
+  <p:clrMapOvr>
+    <a:masterClrMapping/>
+  </p:clrMapOvr>
+</p:sld>
+</file>
+
+<file path=ppt/slides/slide4.xml><?xml version="1.0" encoding="utf-8"?>
+<p:sld xmlns:a="http://schemas.openxmlformats.org/drawingml/2006/main" xmlns:r="http://schemas.openxmlformats.org/officeDocument/2006/relationships" xmlns:p="http://schemas.openxmlformats.org/presentationml/2006/main">
+  <p:cSld>
+    <p:spTree>
+      <p:nvGrpSpPr>
+        <p:cNvPr id="1" name=""/>
+        <p:cNvGrpSpPr/>
+        <p:nvPr/>
+      </p:nvGrpSpPr>
+      <p:grpSpPr>
+        <a:xfrm>
+          <a:off x="0" y="0"/>
+          <a:ext cx="0" cy="0"/>
+          <a:chOff x="0" y="0"/>
+          <a:chExt cx="0" cy="0"/>
+        </a:xfrm>
+      </p:grpSpPr>
+      <p:sp>
+        <p:nvSpPr>
+          <p:cNvPr id="2" name="标题 1">
+            <a:extLst>
+              <a:ext uri="{FF2B5EF4-FFF2-40B4-BE49-F238E27FC236}">
+                <a16:creationId xmlns:a16="http://schemas.microsoft.com/office/drawing/2014/main" id="{EC0F8896-0B88-4AB6-8024-20CDA66A804D}"/>
+              </a:ext>
+            </a:extLst>
+          </p:cNvPr>
+          <p:cNvSpPr>
+            <a:spLocks noGrp="1"/>
+          </p:cNvSpPr>
+          <p:nvPr>
+            <p:ph type="title"/>
+          </p:nvPr>
+        </p:nvSpPr>
+        <p:spPr/>
+        <p:txBody>
+          <a:bodyPr/>
+          <a:lstStyle/>
+          <a:p>
+            <a:r>
+              <a:rPr lang="en-US" altLang="zh-CN" dirty="0"/>
+              <a:t>Breadth-First Search</a:t>
+            </a:r>
+            <a:endParaRPr lang="en-US" dirty="0"/>
+          </a:p>
+        </p:txBody>
+      </p:sp>
+      <p:sp>
+        <p:nvSpPr>
+          <p:cNvPr id="3" name="内容占位符 2">
+            <a:extLst>
+              <a:ext uri="{FF2B5EF4-FFF2-40B4-BE49-F238E27FC236}">
+                <a16:creationId xmlns:a16="http://schemas.microsoft.com/office/drawing/2014/main" id="{FA223BB0-BC06-4A3D-A36D-E724002522DC}"/>
+              </a:ext>
+            </a:extLst>
+          </p:cNvPr>
+          <p:cNvSpPr>
+            <a:spLocks noGrp="1"/>
+          </p:cNvSpPr>
+          <p:nvPr>
+            <p:ph idx="1"/>
+          </p:nvPr>
+        </p:nvSpPr>
+        <p:spPr>
+          <a:xfrm>
+            <a:off x="457200" y="1524000"/>
+            <a:ext cx="8229600" cy="2187388"/>
+          </a:xfrm>
+        </p:spPr>
+        <p:txBody>
+          <a:bodyPr/>
+          <a:lstStyle/>
+          <a:p>
+            <a:r>
+              <a:rPr lang="en-US" dirty="0"/>
+              <a:t>BFS will try to traversal all the map to find the target.</a:t>
+            </a:r>
+          </a:p>
+          <a:p>
+            <a:endParaRPr lang="en-US" dirty="0"/>
+          </a:p>
+          <a:p>
+            <a:r>
+              <a:rPr lang="en-US" dirty="0"/>
+              <a:t>All the vertices that is going to be visit will be added to a FIFO queue</a:t>
+            </a:r>
+          </a:p>
+          <a:p>
+            <a:pPr marL="0" indent="0">
+              <a:buNone/>
+            </a:pPr>
+            <a:endParaRPr lang="en-US" dirty="0"/>
+          </a:p>
+        </p:txBody>
+      </p:sp>
+      <p:pic>
+        <p:nvPicPr>
+          <p:cNvPr id="4" name="图片 3">
+            <a:extLst>
+              <a:ext uri="{FF2B5EF4-FFF2-40B4-BE49-F238E27FC236}">
+                <a16:creationId xmlns:a16="http://schemas.microsoft.com/office/drawing/2014/main" id="{997D97E1-41CB-4B7A-B2AB-380F61A3880D}"/>
+              </a:ext>
+            </a:extLst>
+          </p:cNvPr>
+          <p:cNvPicPr>
+            <a:picLocks noChangeAspect="1"/>
+          </p:cNvPicPr>
+          <p:nvPr/>
+        </p:nvPicPr>
+        <p:blipFill rotWithShape="1">
+          <a:blip r:embed="rId2"/>
+          <a:srcRect l="47969"/>
+          <a:stretch/>
+        </p:blipFill>
+        <p:spPr>
+          <a:xfrm>
+            <a:off x="4939552" y="3204882"/>
+            <a:ext cx="2626681" cy="2430650"/>
+          </a:xfrm>
+          <a:prstGeom prst="rect">
+            <a:avLst/>
+          </a:prstGeom>
+        </p:spPr>
+      </p:pic>
+    </p:spTree>
+    <p:extLst>
+      <p:ext uri="{BB962C8B-B14F-4D97-AF65-F5344CB8AC3E}">
+        <p14:creationId xmlns:p14="http://schemas.microsoft.com/office/powerpoint/2010/main" val="2681228621"/>
+      </p:ext>
+    </p:extLst>
+  </p:cSld>
+  <p:clrMapOvr>
+    <a:masterClrMapping/>
+  </p:clrMapOvr>
+</p:sld>
+</file>
+
+<file path=ppt/slides/slide5.xml><?xml version="1.0" encoding="utf-8"?>
+<p:sld xmlns:a="http://schemas.openxmlformats.org/drawingml/2006/main" xmlns:r="http://schemas.openxmlformats.org/officeDocument/2006/relationships" xmlns:p="http://schemas.openxmlformats.org/presentationml/2006/main">
+  <p:cSld>
+    <p:spTree>
+      <p:nvGrpSpPr>
+        <p:cNvPr id="1" name=""/>
+        <p:cNvGrpSpPr/>
+        <p:nvPr/>
+      </p:nvGrpSpPr>
+      <p:grpSpPr>
+        <a:xfrm>
+          <a:off x="0" y="0"/>
+          <a:ext cx="0" cy="0"/>
+          <a:chOff x="0" y="0"/>
+          <a:chExt cx="0" cy="0"/>
+        </a:xfrm>
+      </p:grpSpPr>
+      <p:sp>
+        <p:nvSpPr>
+          <p:cNvPr id="2" name="标题 1">
+            <a:extLst>
+              <a:ext uri="{FF2B5EF4-FFF2-40B4-BE49-F238E27FC236}">
+                <a16:creationId xmlns:a16="http://schemas.microsoft.com/office/drawing/2014/main" id="{4800DE62-5835-4FCC-B334-EAD68810FB47}"/>
+              </a:ext>
+            </a:extLst>
+          </p:cNvPr>
+          <p:cNvSpPr>
+            <a:spLocks noGrp="1"/>
+          </p:cNvSpPr>
+          <p:nvPr>
+            <p:ph type="title"/>
+          </p:nvPr>
+        </p:nvSpPr>
+        <p:spPr/>
+        <p:txBody>
+          <a:bodyPr/>
+          <a:lstStyle/>
+          <a:p>
+            <a:r>
+              <a:rPr lang="en-US" altLang="zh-CN" dirty="0"/>
+              <a:t>Breadth-First Search</a:t>
+            </a:r>
+            <a:endParaRPr lang="en-US" dirty="0"/>
+          </a:p>
+        </p:txBody>
+      </p:sp>
+      <p:sp>
+        <p:nvSpPr>
+          <p:cNvPr id="3" name="内容占位符 2">
+            <a:extLst>
+              <a:ext uri="{FF2B5EF4-FFF2-40B4-BE49-F238E27FC236}">
+                <a16:creationId xmlns:a16="http://schemas.microsoft.com/office/drawing/2014/main" id="{E0675684-8B7B-45DB-8F2F-7E651873BD3C}"/>
+              </a:ext>
+            </a:extLst>
+          </p:cNvPr>
+          <p:cNvSpPr>
+            <a:spLocks noGrp="1"/>
+          </p:cNvSpPr>
+          <p:nvPr>
+            <p:ph idx="1"/>
+          </p:nvPr>
+        </p:nvSpPr>
+        <p:spPr/>
+        <p:txBody>
+          <a:bodyPr/>
+          <a:lstStyle/>
+          <a:p>
+            <a:r>
+              <a:rPr lang="en-US" dirty="0"/>
+              <a:t>Visit the root </a:t>
+            </a:r>
+            <a:r>
+              <a:rPr lang="en-US" dirty="0" err="1"/>
+              <a:t>vertice</a:t>
+            </a:r>
+            <a:endParaRPr lang="en-US" dirty="0"/>
+          </a:p>
+          <a:p>
+            <a:endParaRPr lang="en-US" dirty="0"/>
+          </a:p>
+          <a:p>
+            <a:r>
+              <a:rPr lang="en-US" dirty="0"/>
+              <a:t>Visit the adjacencies of root </a:t>
+            </a:r>
+            <a:r>
+              <a:rPr lang="en-US" dirty="0" err="1"/>
+              <a:t>vertice</a:t>
+            </a:r>
+            <a:endParaRPr lang="en-US" dirty="0"/>
+          </a:p>
+          <a:p>
+            <a:endParaRPr lang="en-US" dirty="0"/>
+          </a:p>
+          <a:p>
+            <a:r>
+              <a:rPr lang="en-US" dirty="0"/>
+              <a:t>Visit the adjacencies of adjacencies until there is no un-visited vertices</a:t>
+            </a:r>
+          </a:p>
+          <a:p>
+            <a:pPr marL="0" indent="0">
+              <a:buNone/>
+            </a:pPr>
+            <a:endParaRPr lang="en-US" dirty="0"/>
+          </a:p>
+        </p:txBody>
+      </p:sp>
+    </p:spTree>
+    <p:extLst>
+      <p:ext uri="{BB962C8B-B14F-4D97-AF65-F5344CB8AC3E}">
+        <p14:creationId xmlns:p14="http://schemas.microsoft.com/office/powerpoint/2010/main" val="136847558"/>
+      </p:ext>
+    </p:extLst>
+  </p:cSld>
+  <p:clrMapOvr>
+    <a:masterClrMapping/>
+  </p:clrMapOvr>
+</p:sld>
+</file>
+
+<file path=ppt/slides/slide6.xml><?xml version="1.0" encoding="utf-8"?>
+<p:sld xmlns:a="http://schemas.openxmlformats.org/drawingml/2006/main" xmlns:r="http://schemas.openxmlformats.org/officeDocument/2006/relationships" xmlns:p="http://schemas.openxmlformats.org/presentationml/2006/main">
+  <p:cSld>
+    <p:spTree>
+      <p:nvGrpSpPr>
+        <p:cNvPr id="1" name=""/>
+        <p:cNvGrpSpPr/>
+        <p:nvPr/>
+      </p:nvGrpSpPr>
+      <p:grpSpPr>
+        <a:xfrm>
+          <a:off x="0" y="0"/>
+          <a:ext cx="0" cy="0"/>
+          <a:chOff x="0" y="0"/>
+          <a:chExt cx="0" cy="0"/>
+        </a:xfrm>
+      </p:grpSpPr>
+      <p:sp>
+        <p:nvSpPr>
+          <p:cNvPr id="2" name="标题 1">
+            <a:extLst>
+              <a:ext uri="{FF2B5EF4-FFF2-40B4-BE49-F238E27FC236}">
+                <a16:creationId xmlns:a16="http://schemas.microsoft.com/office/drawing/2014/main" id="{BCEEF459-C42D-471F-902B-70E9C470942A}"/>
+              </a:ext>
+            </a:extLst>
+          </p:cNvPr>
+          <p:cNvSpPr>
+            <a:spLocks noGrp="1"/>
+          </p:cNvSpPr>
+          <p:nvPr>
+            <p:ph type="title"/>
+          </p:nvPr>
+        </p:nvSpPr>
+        <p:spPr/>
+        <p:txBody>
+          <a:bodyPr/>
+          <a:lstStyle/>
+          <a:p>
+            <a:r>
+              <a:rPr lang="en-US" dirty="0"/>
+              <a:t>Implementation on Snake Game</a:t>
+            </a:r>
+          </a:p>
+        </p:txBody>
+      </p:sp>
+      <p:sp>
+        <p:nvSpPr>
+          <p:cNvPr id="3" name="内容占位符 2">
+            <a:extLst>
+              <a:ext uri="{FF2B5EF4-FFF2-40B4-BE49-F238E27FC236}">
+                <a16:creationId xmlns:a16="http://schemas.microsoft.com/office/drawing/2014/main" id="{904A9DEB-8C8F-445C-B031-4595B621B285}"/>
+              </a:ext>
+            </a:extLst>
+          </p:cNvPr>
+          <p:cNvSpPr>
+            <a:spLocks noGrp="1"/>
+          </p:cNvSpPr>
+          <p:nvPr>
+            <p:ph idx="1"/>
+          </p:nvPr>
+        </p:nvSpPr>
+        <p:spPr/>
+        <p:txBody>
+          <a:bodyPr/>
+          <a:lstStyle/>
+          <a:p>
+            <a:r>
+              <a:rPr lang="en-US" dirty="0"/>
+              <a:t>Connected(</a:t>
+            </a:r>
+            <a:r>
+              <a:rPr lang="en-US" dirty="0" err="1"/>
+              <a:t>ver</a:t>
+            </a:r>
+            <a:r>
+              <a:rPr lang="en-US" dirty="0"/>
+              <a:t>) will return a list that the vertices </a:t>
+            </a:r>
+            <a:r>
+              <a:rPr lang="en-US" dirty="0" err="1"/>
+              <a:t>ver</a:t>
+            </a:r>
+            <a:r>
+              <a:rPr lang="en-US" dirty="0"/>
+              <a:t> is connected to</a:t>
+            </a:r>
+          </a:p>
+          <a:p>
+            <a:pPr lvl="1"/>
+            <a:r>
+              <a:rPr lang="en-US" dirty="0"/>
+              <a:t>It will be avoided to return where the vertices is wall or been occupied by body</a:t>
+            </a:r>
+          </a:p>
+          <a:p>
+            <a:r>
+              <a:rPr lang="en-US" dirty="0" err="1"/>
+              <a:t>Bfs</a:t>
+            </a:r>
+            <a:r>
+              <a:rPr lang="en-US" dirty="0"/>
+              <a:t>(a, b) will find the shortest path from a to b using BFS</a:t>
+            </a:r>
+          </a:p>
+          <a:p>
+            <a:endParaRPr lang="en-US" dirty="0"/>
+          </a:p>
+          <a:p>
+            <a:r>
+              <a:rPr lang="en-US" dirty="0"/>
+              <a:t>Strategy</a:t>
+            </a:r>
+          </a:p>
+          <a:p>
+            <a:pPr lvl="1"/>
+            <a:r>
+              <a:rPr lang="en-US" dirty="0"/>
+              <a:t>1</a:t>
+            </a:r>
+            <a:r>
+              <a:rPr lang="en-US" baseline="30000" dirty="0"/>
+              <a:t>st</a:t>
+            </a:r>
+            <a:r>
+              <a:rPr lang="en-US" dirty="0"/>
+              <a:t> target would be the food</a:t>
+            </a:r>
+          </a:p>
+          <a:p>
+            <a:pPr lvl="1"/>
+            <a:r>
+              <a:rPr lang="en-US" dirty="0"/>
+              <a:t>If there is no path to the food, trace tail</a:t>
+            </a:r>
+          </a:p>
+          <a:p>
+            <a:pPr lvl="1"/>
+            <a:r>
+              <a:rPr lang="en-US" dirty="0"/>
+              <a:t>If there is no path to tail, randomly walk</a:t>
+            </a:r>
+          </a:p>
+          <a:p>
+            <a:endParaRPr lang="en-US" dirty="0"/>
+          </a:p>
+        </p:txBody>
+      </p:sp>
+    </p:spTree>
+    <p:extLst>
+      <p:ext uri="{BB962C8B-B14F-4D97-AF65-F5344CB8AC3E}">
+        <p14:creationId xmlns:p14="http://schemas.microsoft.com/office/powerpoint/2010/main" val="1292762792"/>
+      </p:ext>
+    </p:extLst>
+  </p:cSld>
+  <p:clrMapOvr>
+    <a:masterClrMapping/>
+  </p:clrMapOvr>
+</p:sld>
+</file>
+
+<file path=ppt/slides/slide7.xml><?xml version="1.0" encoding="utf-8"?>
+<p:sld xmlns:a="http://schemas.openxmlformats.org/drawingml/2006/main" xmlns:r="http://schemas.openxmlformats.org/officeDocument/2006/relationships" xmlns:p="http://schemas.openxmlformats.org/presentationml/2006/main">
+  <p:cSld>
+    <p:spTree>
+      <p:nvGrpSpPr>
+        <p:cNvPr id="1" name=""/>
+        <p:cNvGrpSpPr/>
+        <p:nvPr/>
+      </p:nvGrpSpPr>
+      <p:grpSpPr>
+        <a:xfrm>
+          <a:off x="0" y="0"/>
+          <a:ext cx="0" cy="0"/>
+          <a:chOff x="0" y="0"/>
+          <a:chExt cx="0" cy="0"/>
+        </a:xfrm>
+      </p:grpSpPr>
+      <p:sp>
+        <p:nvSpPr>
+          <p:cNvPr id="2" name="标题 1">
+            <a:extLst>
+              <a:ext uri="{FF2B5EF4-FFF2-40B4-BE49-F238E27FC236}">
+                <a16:creationId xmlns:a16="http://schemas.microsoft.com/office/drawing/2014/main" id="{5AC10C69-C89B-4B24-AA0E-0C4BAFEEECA7}"/>
+              </a:ext>
+            </a:extLst>
+          </p:cNvPr>
+          <p:cNvSpPr>
+            <a:spLocks noGrp="1"/>
+          </p:cNvSpPr>
+          <p:nvPr>
+            <p:ph type="title"/>
+          </p:nvPr>
+        </p:nvSpPr>
+        <p:spPr/>
+        <p:txBody>
+          <a:bodyPr/>
+          <a:lstStyle/>
+          <a:p>
+            <a:r>
+              <a:rPr lang="en-US" altLang="zh-CN" dirty="0"/>
+              <a:t>A</a:t>
+            </a:r>
+            <a:r>
+              <a:rPr lang="zh-CN" altLang="en-US" dirty="0"/>
+              <a:t>* </a:t>
+            </a:r>
+            <a:r>
+              <a:rPr lang="en-US" altLang="zh-CN" dirty="0"/>
+              <a:t>Algorithm</a:t>
+            </a:r>
+            <a:endParaRPr lang="en-US" dirty="0"/>
+          </a:p>
+        </p:txBody>
+      </p:sp>
+      <p:sp>
+        <p:nvSpPr>
+          <p:cNvPr id="3" name="内容占位符 2">
+            <a:extLst>
+              <a:ext uri="{FF2B5EF4-FFF2-40B4-BE49-F238E27FC236}">
+                <a16:creationId xmlns:a16="http://schemas.microsoft.com/office/drawing/2014/main" id="{FD81B5C9-18A9-48A5-8E70-871139DA8A09}"/>
+              </a:ext>
+            </a:extLst>
+          </p:cNvPr>
+          <p:cNvSpPr>
+            <a:spLocks noGrp="1"/>
+          </p:cNvSpPr>
+          <p:nvPr>
+            <p:ph idx="1"/>
+          </p:nvPr>
+        </p:nvSpPr>
+        <p:spPr/>
+        <p:txBody>
+          <a:bodyPr/>
+          <a:lstStyle/>
+          <a:p>
+            <a:r>
+              <a:rPr lang="en-US" altLang="zh-CN" dirty="0"/>
+              <a:t>Dijkstra’s Algorithm + Greedy Algorithm</a:t>
+            </a:r>
+          </a:p>
+          <a:p>
+            <a:endParaRPr lang="en-US" dirty="0"/>
+          </a:p>
+        </p:txBody>
+      </p:sp>
+      <p:pic>
+        <p:nvPicPr>
+          <p:cNvPr id="4" name="Picture 12">
+            <a:extLst>
+              <a:ext uri="{FF2B5EF4-FFF2-40B4-BE49-F238E27FC236}">
+                <a16:creationId xmlns:a16="http://schemas.microsoft.com/office/drawing/2014/main" id="{A3C63FEB-95DF-4C96-87D5-20B850C20F3A}"/>
+              </a:ext>
+            </a:extLst>
+          </p:cNvPr>
+          <p:cNvPicPr>
+            <a:picLocks noChangeAspect="1" noChangeArrowheads="1" noCrop="1"/>
+          </p:cNvPicPr>
+          <p:nvPr/>
+        </p:nvPicPr>
+        <p:blipFill>
+          <a:blip r:embed="rId2" cstate="email">
+            <a:extLst>
+              <a:ext uri="{28A0092B-C50C-407E-A947-70E740481C1C}">
+                <a14:useLocalDpi xmlns:a14="http://schemas.microsoft.com/office/drawing/2010/main" val="0"/>
+              </a:ext>
+            </a:extLst>
+          </a:blip>
+          <a:srcRect/>
+          <a:stretch>
+            <a:fillRect/>
+          </a:stretch>
+        </p:blipFill>
+        <p:spPr bwMode="auto">
+          <a:xfrm>
+            <a:off x="838200" y="2767023"/>
+            <a:ext cx="7153017" cy="3493615"/>
+          </a:xfrm>
+          <a:prstGeom prst="rect">
+            <a:avLst/>
+          </a:prstGeom>
+          <a:noFill/>
+          <a:extLst>
+            <a:ext uri="{909E8E84-426E-40DD-AFC4-6F175D3DCCD1}">
+              <a14:hiddenFill xmlns:a14="http://schemas.microsoft.com/office/drawing/2010/main">
+                <a:solidFill>
+                  <a:srgbClr val="FFFFFF"/>
+                </a:solidFill>
+              </a14:hiddenFill>
+            </a:ext>
+          </a:extLst>
+        </p:spPr>
+      </p:pic>
+    </p:spTree>
+    <p:extLst>
+      <p:ext uri="{BB962C8B-B14F-4D97-AF65-F5344CB8AC3E}">
+        <p14:creationId xmlns:p14="http://schemas.microsoft.com/office/powerpoint/2010/main" val="3793432889"/>
+      </p:ext>
+    </p:extLst>
+  </p:cSld>
+  <p:clrMapOvr>
+    <a:masterClrMapping/>
+  </p:clrMapOvr>
+</p:sld>
+</file>
+
+<file path=ppt/slides/slide8.xml><?xml version="1.0" encoding="utf-8"?>
+<p:sld xmlns:a="http://schemas.openxmlformats.org/drawingml/2006/main" xmlns:r="http://schemas.openxmlformats.org/officeDocument/2006/relationships" xmlns:p="http://schemas.openxmlformats.org/presentationml/2006/main">
+  <p:cSld>
+    <p:spTree>
+      <p:nvGrpSpPr>
+        <p:cNvPr id="1" name=""/>
+        <p:cNvGrpSpPr/>
+        <p:nvPr/>
+      </p:nvGrpSpPr>
+      <p:grpSpPr>
+        <a:xfrm>
+          <a:off x="0" y="0"/>
+          <a:ext cx="0" cy="0"/>
+          <a:chOff x="0" y="0"/>
+          <a:chExt cx="0" cy="0"/>
+        </a:xfrm>
+      </p:grpSpPr>
+      <p:sp>
+        <p:nvSpPr>
+          <p:cNvPr id="2" name="标题 1">
+            <a:extLst>
+              <a:ext uri="{FF2B5EF4-FFF2-40B4-BE49-F238E27FC236}">
+                <a16:creationId xmlns:a16="http://schemas.microsoft.com/office/drawing/2014/main" id="{4E258522-5CBC-4DAE-B9E6-34DF449BACEF}"/>
+              </a:ext>
+            </a:extLst>
+          </p:cNvPr>
+          <p:cNvSpPr>
+            <a:spLocks noGrp="1"/>
+          </p:cNvSpPr>
+          <p:nvPr>
+            <p:ph type="title"/>
+          </p:nvPr>
+        </p:nvSpPr>
+        <p:spPr/>
+        <p:txBody>
+          <a:bodyPr/>
+          <a:lstStyle/>
+          <a:p>
+            <a:r>
+              <a:rPr lang="en-US" altLang="zh-CN" dirty="0"/>
+              <a:t>A</a:t>
+            </a:r>
+            <a:r>
+              <a:rPr lang="zh-CN" altLang="en-US" dirty="0"/>
+              <a:t>* </a:t>
+            </a:r>
+            <a:r>
+              <a:rPr lang="en-US" altLang="zh-CN" dirty="0"/>
+              <a:t>Algorithm (</a:t>
+            </a:r>
+            <a:r>
+              <a:rPr lang="en-US" altLang="zh-CN" dirty="0" err="1"/>
+              <a:t>cont</a:t>
+            </a:r>
+            <a:r>
+              <a:rPr lang="en-US" altLang="zh-CN" dirty="0"/>
+              <a:t>)</a:t>
+            </a:r>
+            <a:endParaRPr lang="en-US" dirty="0"/>
+          </a:p>
+        </p:txBody>
+      </p:sp>
+      <p:sp>
+        <p:nvSpPr>
+          <p:cNvPr id="3" name="内容占位符 2">
+            <a:extLst>
+              <a:ext uri="{FF2B5EF4-FFF2-40B4-BE49-F238E27FC236}">
+                <a16:creationId xmlns:a16="http://schemas.microsoft.com/office/drawing/2014/main" id="{F610733F-A9A4-484B-9B65-34E1AAF2312A}"/>
+              </a:ext>
+            </a:extLst>
+          </p:cNvPr>
+          <p:cNvSpPr>
+            <a:spLocks noGrp="1"/>
+          </p:cNvSpPr>
+          <p:nvPr>
+            <p:ph idx="1"/>
+          </p:nvPr>
+        </p:nvSpPr>
+        <p:spPr/>
+        <p:txBody>
+          <a:bodyPr/>
+          <a:lstStyle/>
+          <a:p>
+            <a:r>
+              <a:rPr lang="en-US" altLang="zh-CN" dirty="0"/>
+              <a:t>Dijkstra’s Algorithm + Greedy Algorithm</a:t>
+            </a:r>
+          </a:p>
+          <a:p>
+            <a:endParaRPr lang="en-US" dirty="0"/>
+          </a:p>
+        </p:txBody>
+      </p:sp>
+      <p:pic>
+        <p:nvPicPr>
+          <p:cNvPr id="4" name="Picture 2">
+            <a:extLst>
+              <a:ext uri="{FF2B5EF4-FFF2-40B4-BE49-F238E27FC236}">
+                <a16:creationId xmlns:a16="http://schemas.microsoft.com/office/drawing/2014/main" id="{E011A9C9-796C-445C-A766-C40774C034C7}"/>
+              </a:ext>
+            </a:extLst>
+          </p:cNvPr>
+          <p:cNvPicPr>
+            <a:picLocks noChangeAspect="1" noChangeArrowheads="1" noCrop="1"/>
+          </p:cNvPicPr>
+          <p:nvPr/>
+        </p:nvPicPr>
+        <p:blipFill>
+          <a:blip r:embed="rId2" cstate="email">
+            <a:extLst>
+              <a:ext uri="{28A0092B-C50C-407E-A947-70E740481C1C}">
+                <a14:useLocalDpi xmlns:a14="http://schemas.microsoft.com/office/drawing/2010/main" val="0"/>
+              </a:ext>
+            </a:extLst>
+          </a:blip>
+          <a:srcRect/>
+          <a:stretch>
+            <a:fillRect/>
+          </a:stretch>
+        </p:blipFill>
+        <p:spPr bwMode="auto">
+          <a:xfrm>
+            <a:off x="838200" y="2745101"/>
+            <a:ext cx="7140801" cy="3431862"/>
+          </a:xfrm>
+          <a:prstGeom prst="rect">
+            <a:avLst/>
+          </a:prstGeom>
+          <a:noFill/>
+          <a:extLst>
+            <a:ext uri="{909E8E84-426E-40DD-AFC4-6F175D3DCCD1}">
+              <a14:hiddenFill xmlns:a14="http://schemas.microsoft.com/office/drawing/2010/main">
+                <a:solidFill>
+                  <a:srgbClr val="FFFFFF"/>
+                </a:solidFill>
+              </a14:hiddenFill>
+            </a:ext>
+          </a:extLst>
+        </p:spPr>
+      </p:pic>
+    </p:spTree>
+    <p:extLst>
+      <p:ext uri="{BB962C8B-B14F-4D97-AF65-F5344CB8AC3E}">
+        <p14:creationId xmlns:p14="http://schemas.microsoft.com/office/powerpoint/2010/main" val="1155765000"/>
+      </p:ext>
+    </p:extLst>
+  </p:cSld>
+  <p:clrMapOvr>
+    <a:masterClrMapping/>
+  </p:clrMapOvr>
+</p:sld>
+</file>
+
+<file path=ppt/slides/slide9.xml><?xml version="1.0" encoding="utf-8"?>
+<p:sld xmlns:a="http://schemas.openxmlformats.org/drawingml/2006/main" xmlns:r="http://schemas.openxmlformats.org/officeDocument/2006/relationships" xmlns:p="http://schemas.openxmlformats.org/presentationml/2006/main">
+  <p:cSld>
+    <p:spTree>
+      <p:nvGrpSpPr>
+        <p:cNvPr id="1" name=""/>
+        <p:cNvGrpSpPr/>
+        <p:nvPr/>
+      </p:nvGrpSpPr>
+      <p:grpSpPr>
+        <a:xfrm>
+          <a:off x="0" y="0"/>
+          <a:ext cx="0" cy="0"/>
+          <a:chOff x="0" y="0"/>
+          <a:chExt cx="0" cy="0"/>
+        </a:xfrm>
+      </p:grpSpPr>
+      <p:sp>
+        <p:nvSpPr>
+          <p:cNvPr id="2" name="标题 1">
+            <a:extLst>
+              <a:ext uri="{FF2B5EF4-FFF2-40B4-BE49-F238E27FC236}">
+                <a16:creationId xmlns:a16="http://schemas.microsoft.com/office/drawing/2014/main" id="{CAEB620D-63AF-4149-AEE5-C25AA83A6DF0}"/>
+              </a:ext>
+            </a:extLst>
+          </p:cNvPr>
+          <p:cNvSpPr>
+            <a:spLocks noGrp="1"/>
+          </p:cNvSpPr>
+          <p:nvPr>
+            <p:ph type="title"/>
+          </p:nvPr>
+        </p:nvSpPr>
+        <p:spPr/>
+        <p:txBody>
+          <a:bodyPr/>
+          <a:lstStyle/>
+          <a:p>
+            <a:r>
+              <a:rPr lang="en-US" altLang="zh-CN" dirty="0"/>
+              <a:t>A</a:t>
+            </a:r>
+            <a:r>
+              <a:rPr lang="zh-CN" altLang="en-US" dirty="0"/>
+              <a:t>* </a:t>
+            </a:r>
+            <a:r>
+              <a:rPr lang="en-US" altLang="zh-CN" dirty="0"/>
+              <a:t>Algorithm (</a:t>
+            </a:r>
+            <a:r>
+              <a:rPr lang="en-US" altLang="zh-CN" dirty="0" err="1"/>
+              <a:t>cont</a:t>
+            </a:r>
+            <a:r>
+              <a:rPr lang="en-US" altLang="zh-CN" dirty="0"/>
+              <a:t>)</a:t>
+            </a:r>
+            <a:endParaRPr lang="en-US" dirty="0"/>
+          </a:p>
+        </p:txBody>
+      </p:sp>
+      <p:sp>
+        <p:nvSpPr>
+          <p:cNvPr id="3" name="内容占位符 2">
+            <a:extLst>
+              <a:ext uri="{FF2B5EF4-FFF2-40B4-BE49-F238E27FC236}">
+                <a16:creationId xmlns:a16="http://schemas.microsoft.com/office/drawing/2014/main" id="{7B79EB2C-2463-4CD2-9D10-EC7E52F0C7D5}"/>
+              </a:ext>
+            </a:extLst>
+          </p:cNvPr>
+          <p:cNvSpPr>
+            <a:spLocks noGrp="1"/>
+          </p:cNvSpPr>
+          <p:nvPr>
+            <p:ph idx="1"/>
+          </p:nvPr>
+        </p:nvSpPr>
+        <p:spPr>
+          <a:xfrm>
+            <a:off x="555812" y="1714500"/>
+            <a:ext cx="8229600" cy="4533900"/>
+          </a:xfrm>
+        </p:spPr>
+        <p:txBody>
+          <a:bodyPr/>
+          <a:lstStyle/>
+          <a:p>
+            <a:pPr marL="0" indent="0">
+              <a:buNone/>
+            </a:pPr>
+            <a:r>
+              <a:rPr lang="en-US" altLang="zh-CN" dirty="0"/>
+              <a:t>Dijkstra’s Algorithm</a:t>
+            </a:r>
+          </a:p>
+          <a:p>
+            <a:r>
+              <a:rPr lang="en-US" altLang="zh-CN" dirty="0"/>
+              <a:t>All possible directions</a:t>
+            </a:r>
+          </a:p>
+          <a:p>
+            <a:r>
+              <a:rPr lang="en-US" altLang="zh-CN" dirty="0"/>
+              <a:t>Always shortest</a:t>
+            </a:r>
+          </a:p>
+          <a:p>
+            <a:r>
+              <a:rPr lang="en-US" altLang="zh-CN" dirty="0"/>
+              <a:t>Slow</a:t>
+            </a:r>
+          </a:p>
+          <a:p>
+            <a:endParaRPr lang="en-US" dirty="0"/>
+          </a:p>
+        </p:txBody>
+      </p:sp>
+      <p:sp>
+        <p:nvSpPr>
+          <p:cNvPr id="4" name="内容占位符 2">
+            <a:extLst>
+              <a:ext uri="{FF2B5EF4-FFF2-40B4-BE49-F238E27FC236}">
+                <a16:creationId xmlns:a16="http://schemas.microsoft.com/office/drawing/2014/main" id="{EFE137B5-C01C-4F71-8CCE-0398F7326449}"/>
+              </a:ext>
+            </a:extLst>
+          </p:cNvPr>
+          <p:cNvSpPr txBox="1">
+            <a:spLocks/>
+          </p:cNvSpPr>
+          <p:nvPr/>
+        </p:nvSpPr>
+        <p:spPr>
+          <a:xfrm>
+            <a:off x="4409902" y="1734344"/>
+            <a:ext cx="4919749" cy="4351338"/>
+          </a:xfrm>
+          <a:prstGeom prst="rect">
+            <a:avLst/>
+          </a:prstGeom>
+        </p:spPr>
+        <p:txBody>
+          <a:bodyPr vert="horz" lIns="91440" tIns="45720" rIns="91440" bIns="45720" rtlCol="0">
+            <a:normAutofit/>
+          </a:bodyPr>
+          <a:lstStyle>
+            <a:lvl1pPr marL="228600" indent="-228600" algn="l" defTabSz="914400" rtl="0" eaLnBrk="1" latinLnBrk="0" hangingPunct="1">
+              <a:lnSpc>
+                <a:spcPct val="90000"/>
+              </a:lnSpc>
+              <a:spcBef>
+                <a:spcPts val="1000"/>
+              </a:spcBef>
+              <a:buFont typeface="Arial" panose="020B0604020202020204" pitchFamily="34" charset="0"/>
+              <a:buChar char="•"/>
+              <a:defRPr sz="2800" kern="1200">
+                <a:solidFill>
+                  <a:schemeClr val="tx1"/>
+                </a:solidFill>
+                <a:latin typeface="+mn-lt"/>
+                <a:ea typeface="+mn-ea"/>
+                <a:cs typeface="+mn-cs"/>
+              </a:defRPr>
+            </a:lvl1pPr>
+            <a:lvl2pPr marL="685800" indent="-228600" algn="l" defTabSz="914400" rtl="0" eaLnBrk="1" latinLnBrk="0" hangingPunct="1">
+              <a:lnSpc>
+                <a:spcPct val="90000"/>
+              </a:lnSpc>
+              <a:spcBef>
+                <a:spcPts val="500"/>
+              </a:spcBef>
+              <a:buFont typeface="Arial" panose="020B0604020202020204" pitchFamily="34" charset="0"/>
+              <a:buChar char="•"/>
+              <a:defRPr sz="2400" kern="1200">
+                <a:solidFill>
+                  <a:schemeClr val="tx1"/>
+                </a:solidFill>
+                <a:latin typeface="+mn-lt"/>
+                <a:ea typeface="+mn-ea"/>
+                <a:cs typeface="+mn-cs"/>
+              </a:defRPr>
+            </a:lvl2pPr>
+            <a:lvl3pPr marL="1143000" indent="-228600" algn="l" defTabSz="914400" rtl="0" eaLnBrk="1" latinLnBrk="0" hangingPunct="1">
+              <a:lnSpc>
+                <a:spcPct val="90000"/>
+              </a:lnSpc>
+              <a:spcBef>
+                <a:spcPts val="500"/>
+              </a:spcBef>
+              <a:buFont typeface="Arial" panose="020B0604020202020204" pitchFamily="34" charset="0"/>
+              <a:buChar char="•"/>
+              <a:defRPr sz="2000" kern="1200">
+                <a:solidFill>
+                  <a:schemeClr val="tx1"/>
+                </a:solidFill>
+                <a:latin typeface="+mn-lt"/>
+                <a:ea typeface="+mn-ea"/>
+                <a:cs typeface="+mn-cs"/>
+              </a:defRPr>
+            </a:lvl3pPr>
+            <a:lvl4pPr marL="1600200" indent="-228600" algn="l" defTabSz="914400" rtl="0" eaLnBrk="1" latinLnBrk="0" hangingPunct="1">
+              <a:lnSpc>
+                <a:spcPct val="90000"/>
+              </a:lnSpc>
+              <a:spcBef>
+                <a:spcPts val="500"/>
+              </a:spcBef>
+              <a:buFont typeface="Arial" panose="020B0604020202020204" pitchFamily="34" charset="0"/>
+              <a:buChar char="•"/>
+              <a:defRPr sz="1800" kern="1200">
+                <a:solidFill>
+                  <a:schemeClr val="tx1"/>
+                </a:solidFill>
+                <a:latin typeface="+mn-lt"/>
+                <a:ea typeface="+mn-ea"/>
+                <a:cs typeface="+mn-cs"/>
+              </a:defRPr>
+            </a:lvl4pPr>
+            <a:lvl5pPr marL="2057400" indent="-228600" algn="l" defTabSz="914400" rtl="0" eaLnBrk="1" latinLnBrk="0" hangingPunct="1">
+              <a:lnSpc>
+                <a:spcPct val="90000"/>
+              </a:lnSpc>
+              <a:spcBef>
+                <a:spcPts val="500"/>
+              </a:spcBef>
+              <a:buFont typeface="Arial" panose="020B0604020202020204" pitchFamily="34" charset="0"/>
+              <a:buChar char="•"/>
+              <a:defRPr sz="1800" kern="1200">
+                <a:solidFill>
+                  <a:schemeClr val="tx1"/>
+                </a:solidFill>
+                <a:latin typeface="+mn-lt"/>
+                <a:ea typeface="+mn-ea"/>
+                <a:cs typeface="+mn-cs"/>
+              </a:defRPr>
+            </a:lvl5pPr>
+            <a:lvl6pPr marL="2514600" indent="-228600" algn="l" defTabSz="914400" rtl="0" eaLnBrk="1" latinLnBrk="0" hangingPunct="1">
+              <a:lnSpc>
+                <a:spcPct val="90000"/>
+              </a:lnSpc>
+              <a:spcBef>
+                <a:spcPts val="500"/>
+              </a:spcBef>
+              <a:buFont typeface="Arial" panose="020B0604020202020204" pitchFamily="34" charset="0"/>
+              <a:buChar char="•"/>
+              <a:defRPr sz="1800" kern="1200">
+                <a:solidFill>
+                  <a:schemeClr val="tx1"/>
+                </a:solidFill>
+                <a:latin typeface="+mn-lt"/>
+                <a:ea typeface="+mn-ea"/>
+                <a:cs typeface="+mn-cs"/>
+              </a:defRPr>
+            </a:lvl6pPr>
+            <a:lvl7pPr marL="2971800" indent="-228600" algn="l" defTabSz="914400" rtl="0" eaLnBrk="1" latinLnBrk="0" hangingPunct="1">
+              <a:lnSpc>
+                <a:spcPct val="90000"/>
+              </a:lnSpc>
+              <a:spcBef>
+                <a:spcPts val="500"/>
+              </a:spcBef>
+              <a:buFont typeface="Arial" panose="020B0604020202020204" pitchFamily="34" charset="0"/>
+              <a:buChar char="•"/>
+              <a:defRPr sz="1800" kern="1200">
+                <a:solidFill>
+                  <a:schemeClr val="tx1"/>
+                </a:solidFill>
+                <a:latin typeface="+mn-lt"/>
+                <a:ea typeface="+mn-ea"/>
+                <a:cs typeface="+mn-cs"/>
+              </a:defRPr>
+            </a:lvl7pPr>
+            <a:lvl8pPr marL="3429000" indent="-228600" algn="l" defTabSz="914400" rtl="0" eaLnBrk="1" latinLnBrk="0" hangingPunct="1">
+              <a:lnSpc>
+                <a:spcPct val="90000"/>
+              </a:lnSpc>
+              <a:spcBef>
+                <a:spcPts val="500"/>
+              </a:spcBef>
+              <a:buFont typeface="Arial" panose="020B0604020202020204" pitchFamily="34" charset="0"/>
+              <a:buChar char="•"/>
+              <a:defRPr sz="1800" kern="1200">
+                <a:solidFill>
+                  <a:schemeClr val="tx1"/>
+                </a:solidFill>
+                <a:latin typeface="+mn-lt"/>
+                <a:ea typeface="+mn-ea"/>
+                <a:cs typeface="+mn-cs"/>
+              </a:defRPr>
+            </a:lvl8pPr>
+            <a:lvl9pPr marL="3886200" indent="-228600" algn="l" defTabSz="914400" rtl="0" eaLnBrk="1" latinLnBrk="0" hangingPunct="1">
+              <a:lnSpc>
+                <a:spcPct val="90000"/>
+              </a:lnSpc>
+              <a:spcBef>
+                <a:spcPts val="500"/>
+              </a:spcBef>
+              <a:buFont typeface="Arial" panose="020B0604020202020204" pitchFamily="34" charset="0"/>
+              <a:buChar char="•"/>
+              <a:defRPr sz="1800" kern="1200">
+                <a:solidFill>
+                  <a:schemeClr val="tx1"/>
+                </a:solidFill>
+                <a:latin typeface="+mn-lt"/>
+                <a:ea typeface="+mn-ea"/>
+                <a:cs typeface="+mn-cs"/>
+              </a:defRPr>
+            </a:lvl9pPr>
+          </a:lstStyle>
+          <a:p>
+            <a:pPr marL="0" indent="0">
+              <a:spcBef>
+                <a:spcPct val="20000"/>
+              </a:spcBef>
+              <a:buFont typeface="Arial" panose="020B0604020202020204" pitchFamily="34" charset="0"/>
+              <a:buNone/>
+            </a:pPr>
+            <a:r>
+              <a:rPr lang="en-US" altLang="zh-CN" sz="2200" dirty="0">
+                <a:solidFill>
+                  <a:schemeClr val="tx2"/>
+                </a:solidFill>
+              </a:rPr>
+              <a:t>Greedy Algorithm</a:t>
+            </a:r>
+          </a:p>
+          <a:p>
+            <a:pPr>
+              <a:spcBef>
+                <a:spcPct val="20000"/>
+              </a:spcBef>
+            </a:pPr>
+            <a:r>
+              <a:rPr lang="en-US" altLang="zh-CN" sz="2200" dirty="0">
+                <a:solidFill>
+                  <a:schemeClr val="tx2"/>
+                </a:solidFill>
+              </a:rPr>
+              <a:t>The most possible direction</a:t>
+            </a:r>
+          </a:p>
+          <a:p>
+            <a:pPr>
+              <a:spcBef>
+                <a:spcPct val="20000"/>
+              </a:spcBef>
+            </a:pPr>
+            <a:r>
+              <a:rPr lang="en-US" altLang="zh-CN" sz="2200" dirty="0">
+                <a:solidFill>
+                  <a:schemeClr val="tx2"/>
+                </a:solidFill>
+              </a:rPr>
+              <a:t>Not guaranteed shortest</a:t>
+            </a:r>
+          </a:p>
+          <a:p>
+            <a:pPr>
+              <a:spcBef>
+                <a:spcPct val="20000"/>
+              </a:spcBef>
+            </a:pPr>
+            <a:r>
+              <a:rPr lang="en-US" altLang="zh-CN" sz="2200" dirty="0">
+                <a:solidFill>
+                  <a:schemeClr val="tx2"/>
+                </a:solidFill>
+              </a:rPr>
+              <a:t>Fast</a:t>
+            </a:r>
+          </a:p>
+          <a:p>
+            <a:endParaRPr lang="en-US" altLang="zh-CN" dirty="0"/>
+          </a:p>
+        </p:txBody>
+      </p:sp>
+      <p:sp>
+        <p:nvSpPr>
+          <p:cNvPr id="5" name="内容占位符 2">
+            <a:extLst>
+              <a:ext uri="{FF2B5EF4-FFF2-40B4-BE49-F238E27FC236}">
+                <a16:creationId xmlns:a16="http://schemas.microsoft.com/office/drawing/2014/main" id="{3071C1D4-F2B0-4D45-94C6-9A635CE9A6CB}"/>
+              </a:ext>
+            </a:extLst>
+          </p:cNvPr>
+          <p:cNvSpPr txBox="1">
+            <a:spLocks/>
+          </p:cNvSpPr>
+          <p:nvPr/>
+        </p:nvSpPr>
+        <p:spPr>
+          <a:xfrm>
+            <a:off x="555812" y="4507927"/>
+            <a:ext cx="7951694" cy="1032262"/>
+          </a:xfrm>
+          <a:prstGeom prst="rect">
+            <a:avLst/>
+          </a:prstGeom>
+        </p:spPr>
+        <p:txBody>
+          <a:bodyPr vert="horz" lIns="91440" tIns="45720" rIns="91440" bIns="45720" rtlCol="0">
+            <a:normAutofit/>
+          </a:bodyPr>
+          <a:lstStyle>
+            <a:lvl1pPr marL="228600" indent="-228600" algn="l" defTabSz="914400" rtl="0" eaLnBrk="1" latinLnBrk="0" hangingPunct="1">
+              <a:lnSpc>
+                <a:spcPct val="90000"/>
+              </a:lnSpc>
+              <a:spcBef>
+                <a:spcPts val="1000"/>
+              </a:spcBef>
+              <a:buFont typeface="Arial" panose="020B0604020202020204" pitchFamily="34" charset="0"/>
+              <a:buChar char="•"/>
+              <a:defRPr sz="2800" kern="1200">
+                <a:solidFill>
+                  <a:schemeClr val="tx1"/>
+                </a:solidFill>
+                <a:latin typeface="+mn-lt"/>
+                <a:ea typeface="+mn-ea"/>
+                <a:cs typeface="+mn-cs"/>
+              </a:defRPr>
+            </a:lvl1pPr>
+            <a:lvl2pPr marL="685800" indent="-228600" algn="l" defTabSz="914400" rtl="0" eaLnBrk="1" latinLnBrk="0" hangingPunct="1">
+              <a:lnSpc>
+                <a:spcPct val="90000"/>
+              </a:lnSpc>
+              <a:spcBef>
+                <a:spcPts val="500"/>
+              </a:spcBef>
+              <a:buFont typeface="Arial" panose="020B0604020202020204" pitchFamily="34" charset="0"/>
+              <a:buChar char="•"/>
+              <a:defRPr sz="2400" kern="1200">
+                <a:solidFill>
+                  <a:schemeClr val="tx1"/>
+                </a:solidFill>
+                <a:latin typeface="+mn-lt"/>
+                <a:ea typeface="+mn-ea"/>
+                <a:cs typeface="+mn-cs"/>
+              </a:defRPr>
+            </a:lvl2pPr>
+            <a:lvl3pPr marL="1143000" indent="-228600" algn="l" defTabSz="914400" rtl="0" eaLnBrk="1" latinLnBrk="0" hangingPunct="1">
+              <a:lnSpc>
+                <a:spcPct val="90000"/>
+              </a:lnSpc>
+              <a:spcBef>
+                <a:spcPts val="500"/>
+              </a:spcBef>
+              <a:buFont typeface="Arial" panose="020B0604020202020204" pitchFamily="34" charset="0"/>
+              <a:buChar char="•"/>
+              <a:defRPr sz="2000" kern="1200">
+                <a:solidFill>
+                  <a:schemeClr val="tx1"/>
+                </a:solidFill>
+                <a:latin typeface="+mn-lt"/>
+                <a:ea typeface="+mn-ea"/>
+                <a:cs typeface="+mn-cs"/>
+              </a:defRPr>
+            </a:lvl3pPr>
+            <a:lvl4pPr marL="1600200" indent="-228600" algn="l" defTabSz="914400" rtl="0" eaLnBrk="1" latinLnBrk="0" hangingPunct="1">
+              <a:lnSpc>
+                <a:spcPct val="90000"/>
+              </a:lnSpc>
+              <a:spcBef>
+                <a:spcPts val="500"/>
+              </a:spcBef>
+              <a:buFont typeface="Arial" panose="020B0604020202020204" pitchFamily="34" charset="0"/>
+              <a:buChar char="•"/>
+              <a:defRPr sz="1800" kern="1200">
+                <a:solidFill>
+                  <a:schemeClr val="tx1"/>
+                </a:solidFill>
+                <a:latin typeface="+mn-lt"/>
+                <a:ea typeface="+mn-ea"/>
+                <a:cs typeface="+mn-cs"/>
+              </a:defRPr>
+            </a:lvl4pPr>
+            <a:lvl5pPr marL="2057400" indent="-228600" algn="l" defTabSz="914400" rtl="0" eaLnBrk="1" latinLnBrk="0" hangingPunct="1">
+              <a:lnSpc>
+                <a:spcPct val="90000"/>
+              </a:lnSpc>
+              <a:spcBef>
+                <a:spcPts val="500"/>
+              </a:spcBef>
+              <a:buFont typeface="Arial" panose="020B0604020202020204" pitchFamily="34" charset="0"/>
+              <a:buChar char="•"/>
+              <a:defRPr sz="1800" kern="1200">
+                <a:solidFill>
+                  <a:schemeClr val="tx1"/>
+                </a:solidFill>
+                <a:latin typeface="+mn-lt"/>
+                <a:ea typeface="+mn-ea"/>
+                <a:cs typeface="+mn-cs"/>
+              </a:defRPr>
+            </a:lvl5pPr>
+            <a:lvl6pPr marL="2514600" indent="-228600" algn="l" defTabSz="914400" rtl="0" eaLnBrk="1" latinLnBrk="0" hangingPunct="1">
+              <a:lnSpc>
+                <a:spcPct val="90000"/>
+              </a:lnSpc>
+              <a:spcBef>
+                <a:spcPts val="500"/>
+              </a:spcBef>
+              <a:buFont typeface="Arial" panose="020B0604020202020204" pitchFamily="34" charset="0"/>
+              <a:buChar char="•"/>
+              <a:defRPr sz="1800" kern="1200">
+                <a:solidFill>
+                  <a:schemeClr val="tx1"/>
+                </a:solidFill>
+                <a:latin typeface="+mn-lt"/>
+                <a:ea typeface="+mn-ea"/>
+                <a:cs typeface="+mn-cs"/>
+              </a:defRPr>
+            </a:lvl6pPr>
+            <a:lvl7pPr marL="2971800" indent="-228600" algn="l" defTabSz="914400" rtl="0" eaLnBrk="1" latinLnBrk="0" hangingPunct="1">
+              <a:lnSpc>
+                <a:spcPct val="90000"/>
+              </a:lnSpc>
+              <a:spcBef>
+                <a:spcPts val="500"/>
+              </a:spcBef>
+              <a:buFont typeface="Arial" panose="020B0604020202020204" pitchFamily="34" charset="0"/>
+              <a:buChar char="•"/>
+              <a:defRPr sz="1800" kern="1200">
+                <a:solidFill>
+                  <a:schemeClr val="tx1"/>
+                </a:solidFill>
+                <a:latin typeface="+mn-lt"/>
+                <a:ea typeface="+mn-ea"/>
+                <a:cs typeface="+mn-cs"/>
+              </a:defRPr>
+            </a:lvl7pPr>
+            <a:lvl8pPr marL="3429000" indent="-228600" algn="l" defTabSz="914400" rtl="0" eaLnBrk="1" latinLnBrk="0" hangingPunct="1">
+              <a:lnSpc>
+                <a:spcPct val="90000"/>
+              </a:lnSpc>
+              <a:spcBef>
+                <a:spcPts val="500"/>
+              </a:spcBef>
+              <a:buFont typeface="Arial" panose="020B0604020202020204" pitchFamily="34" charset="0"/>
+              <a:buChar char="•"/>
+              <a:defRPr sz="1800" kern="1200">
+                <a:solidFill>
+                  <a:schemeClr val="tx1"/>
+                </a:solidFill>
+                <a:latin typeface="+mn-lt"/>
+                <a:ea typeface="+mn-ea"/>
+                <a:cs typeface="+mn-cs"/>
+              </a:defRPr>
+            </a:lvl8pPr>
+            <a:lvl9pPr marL="3886200" indent="-228600" algn="l" defTabSz="914400" rtl="0" eaLnBrk="1" latinLnBrk="0" hangingPunct="1">
+              <a:lnSpc>
+                <a:spcPct val="90000"/>
+              </a:lnSpc>
+              <a:spcBef>
+                <a:spcPts val="500"/>
+              </a:spcBef>
+              <a:buFont typeface="Arial" panose="020B0604020202020204" pitchFamily="34" charset="0"/>
+              <a:buChar char="•"/>
+              <a:defRPr sz="1800" kern="1200">
+                <a:solidFill>
+                  <a:schemeClr val="tx1"/>
+                </a:solidFill>
+                <a:latin typeface="+mn-lt"/>
+                <a:ea typeface="+mn-ea"/>
+                <a:cs typeface="+mn-cs"/>
+              </a:defRPr>
+            </a:lvl9pPr>
+          </a:lstStyle>
+          <a:p>
+            <a:pPr>
+              <a:buFont typeface="Wingdings" panose="05000000000000000000" pitchFamily="2" charset="2"/>
+              <a:buChar char="u"/>
+            </a:pPr>
+            <a:r>
+              <a:rPr lang="en-US" altLang="zh-CN" dirty="0"/>
+              <a:t>Use a heuristic function to guide the Dijkstra’s searching path</a:t>
+            </a:r>
+          </a:p>
+        </p:txBody>
+      </p:sp>
+    </p:spTree>
+    <p:extLst>
+      <p:ext uri="{BB962C8B-B14F-4D97-AF65-F5344CB8AC3E}">
+        <p14:creationId xmlns:p14="http://schemas.microsoft.com/office/powerpoint/2010/main" val="1504179762"/>
+      </p:ext>
+    </p:extLst>
+  </p:cSld>
+  <p:clrMapOvr>
+    <a:masterClrMapping/>
+  </p:clrMapOvr>
 </p:sld>
 </file>
 
